--- a/Student Task Manager/documents/Student Task Manager.pptx
+++ b/Student Task Manager/documents/Student Task Manager.pptx
@@ -7,7 +7,7 @@
   <p:sldIdLst>
     <p:sldId id="256" r:id="rId2"/>
     <p:sldId id="257" r:id="rId3"/>
-    <p:sldId id="258" r:id="rId4"/>
+    <p:sldId id="259" r:id="rId4"/>
   </p:sldIdLst>
   <p:sldSz cx="12192000" cy="6858000"/>
   <p:notesSz cx="6858000" cy="9144000"/>
@@ -106,15 +106,20 @@
       </a:defRPr>
     </a:lvl9pPr>
   </p:defaultTextStyle>
+  <p:extLst>
+    <p:ext uri="{EFAFB233-063F-42B5-8137-9DF3F51BA10A}">
+      <p15:sldGuideLst xmlns:p15="http://schemas.microsoft.com/office/powerpoint/2012/main"/>
+    </p:ext>
+  </p:extLst>
 </p:presentation>
 </file>
 
 <file path=ppt/diagrams/colors1.xml><?xml version="1.0" encoding="utf-8"?>
-<dgm:colorsDef xmlns:dgm="http://schemas.openxmlformats.org/drawingml/2006/diagram" xmlns:a="http://schemas.openxmlformats.org/drawingml/2006/main" uniqueId="urn:microsoft.com/office/officeart/2005/8/colors/accent1_2">
+<dgm:colorsDef xmlns:dgm="http://schemas.openxmlformats.org/drawingml/2006/diagram" xmlns:a="http://schemas.openxmlformats.org/drawingml/2006/main" uniqueId="urn:microsoft.com/office/officeart/2005/8/colors/colorful1">
   <dgm:title val=""/>
   <dgm:desc val=""/>
   <dgm:catLst>
-    <dgm:cat type="accent1" pri="11200"/>
+    <dgm:cat type="colorful" pri="10100"/>
   </dgm:catLst>
   <dgm:styleLbl name="node0">
     <dgm:fillClrLst meth="repeat">
@@ -128,21 +133,13 @@
     <dgm:txFillClrLst/>
     <dgm:txEffectClrLst/>
   </dgm:styleLbl>
-  <dgm:styleLbl name="alignNode1">
-    <dgm:fillClrLst meth="repeat">
-      <a:schemeClr val="accent1"/>
-    </dgm:fillClrLst>
-    <dgm:linClrLst meth="repeat">
-      <a:schemeClr val="accent1"/>
-    </dgm:linClrLst>
-    <dgm:effectClrLst/>
-    <dgm:txLinClrLst/>
-    <dgm:txFillClrLst/>
-    <dgm:txEffectClrLst/>
-  </dgm:styleLbl>
   <dgm:styleLbl name="node1">
     <dgm:fillClrLst meth="repeat">
-      <a:schemeClr val="accent1"/>
+      <a:schemeClr val="accent2"/>
+      <a:schemeClr val="accent3"/>
+      <a:schemeClr val="accent4"/>
+      <a:schemeClr val="accent5"/>
+      <a:schemeClr val="accent6"/>
     </dgm:fillClrLst>
     <dgm:linClrLst meth="repeat">
       <a:schemeClr val="lt1"/>
@@ -152,9 +149,33 @@
     <dgm:txFillClrLst/>
     <dgm:txEffectClrLst/>
   </dgm:styleLbl>
+  <dgm:styleLbl name="alignNode1">
+    <dgm:fillClrLst meth="repeat">
+      <a:schemeClr val="accent2"/>
+      <a:schemeClr val="accent3"/>
+      <a:schemeClr val="accent4"/>
+      <a:schemeClr val="accent5"/>
+      <a:schemeClr val="accent6"/>
+    </dgm:fillClrLst>
+    <dgm:linClrLst meth="repeat">
+      <a:schemeClr val="accent2"/>
+      <a:schemeClr val="accent3"/>
+      <a:schemeClr val="accent4"/>
+      <a:schemeClr val="accent5"/>
+      <a:schemeClr val="accent6"/>
+    </dgm:linClrLst>
+    <dgm:effectClrLst/>
+    <dgm:txLinClrLst/>
+    <dgm:txFillClrLst/>
+    <dgm:txEffectClrLst/>
+  </dgm:styleLbl>
   <dgm:styleLbl name="lnNode1">
     <dgm:fillClrLst meth="repeat">
-      <a:schemeClr val="accent1"/>
+      <a:schemeClr val="accent2"/>
+      <a:schemeClr val="accent3"/>
+      <a:schemeClr val="accent4"/>
+      <a:schemeClr val="accent5"/>
+      <a:schemeClr val="accent6"/>
     </dgm:fillClrLst>
     <dgm:linClrLst meth="repeat">
       <a:schemeClr val="lt1"/>
@@ -166,7 +187,19 @@
   </dgm:styleLbl>
   <dgm:styleLbl name="vennNode1">
     <dgm:fillClrLst meth="repeat">
-      <a:schemeClr val="accent1">
+      <a:schemeClr val="accent2">
+        <a:alpha val="50000"/>
+      </a:schemeClr>
+      <a:schemeClr val="accent3">
+        <a:alpha val="50000"/>
+      </a:schemeClr>
+      <a:schemeClr val="accent4">
+        <a:alpha val="50000"/>
+      </a:schemeClr>
+      <a:schemeClr val="accent5">
+        <a:alpha val="50000"/>
+      </a:schemeClr>
+      <a:schemeClr val="accent6">
         <a:alpha val="50000"/>
       </a:schemeClr>
     </dgm:fillClrLst>
@@ -179,8 +212,8 @@
     <dgm:txEffectClrLst/>
   </dgm:styleLbl>
   <dgm:styleLbl name="node2">
-    <dgm:fillClrLst meth="repeat">
-      <a:schemeClr val="accent1"/>
+    <dgm:fillClrLst>
+      <a:schemeClr val="accent2"/>
     </dgm:fillClrLst>
     <dgm:linClrLst meth="repeat">
       <a:schemeClr val="lt1"/>
@@ -191,8 +224,8 @@
     <dgm:txEffectClrLst/>
   </dgm:styleLbl>
   <dgm:styleLbl name="node3">
-    <dgm:fillClrLst meth="repeat">
-      <a:schemeClr val="accent1"/>
+    <dgm:fillClrLst>
+      <a:schemeClr val="accent3"/>
     </dgm:fillClrLst>
     <dgm:linClrLst meth="repeat">
       <a:schemeClr val="lt1"/>
@@ -203,8 +236,8 @@
     <dgm:txEffectClrLst/>
   </dgm:styleLbl>
   <dgm:styleLbl name="node4">
-    <dgm:fillClrLst meth="repeat">
-      <a:schemeClr val="accent1"/>
+    <dgm:fillClrLst>
+      <a:schemeClr val="accent4"/>
     </dgm:fillClrLst>
     <dgm:linClrLst meth="repeat">
       <a:schemeClr val="lt1"/>
@@ -216,7 +249,19 @@
   </dgm:styleLbl>
   <dgm:styleLbl name="fgImgPlace1">
     <dgm:fillClrLst meth="repeat">
-      <a:schemeClr val="accent1">
+      <a:schemeClr val="accent2">
+        <a:tint val="50000"/>
+      </a:schemeClr>
+      <a:schemeClr val="accent3">
+        <a:tint val="50000"/>
+      </a:schemeClr>
+      <a:schemeClr val="accent4">
+        <a:tint val="50000"/>
+      </a:schemeClr>
+      <a:schemeClr val="accent5">
+        <a:tint val="50000"/>
+      </a:schemeClr>
+      <a:schemeClr val="accent6">
         <a:tint val="50000"/>
       </a:schemeClr>
     </dgm:fillClrLst>
@@ -231,9 +276,12 @@
     <dgm:txEffectClrLst/>
   </dgm:styleLbl>
   <dgm:styleLbl name="alignImgPlace1">
-    <dgm:fillClrLst meth="repeat">
+    <dgm:fillClrLst>
       <a:schemeClr val="accent1">
         <a:tint val="50000"/>
+      </a:schemeClr>
+      <a:schemeClr val="accent2">
+        <a:tint val="20000"/>
       </a:schemeClr>
     </dgm:fillClrLst>
     <dgm:linClrLst meth="repeat">
@@ -247,9 +295,12 @@
     <dgm:txEffectClrLst/>
   </dgm:styleLbl>
   <dgm:styleLbl name="bgImgPlace1">
-    <dgm:fillClrLst meth="repeat">
+    <dgm:fillClrLst>
       <a:schemeClr val="accent1">
         <a:tint val="50000"/>
+      </a:schemeClr>
+      <a:schemeClr val="accent2">
+        <a:tint val="20000"/>
       </a:schemeClr>
     </dgm:fillClrLst>
     <dgm:linClrLst meth="repeat">
@@ -264,14 +315,14 @@
   </dgm:styleLbl>
   <dgm:styleLbl name="sibTrans2D1">
     <dgm:fillClrLst meth="repeat">
-      <a:schemeClr val="accent1">
-        <a:tint val="60000"/>
-      </a:schemeClr>
+      <a:schemeClr val="accent2"/>
+      <a:schemeClr val="accent3"/>
+      <a:schemeClr val="accent4"/>
+      <a:schemeClr val="accent5"/>
+      <a:schemeClr val="accent6"/>
     </dgm:fillClrLst>
-    <dgm:linClrLst meth="repeat">
-      <a:schemeClr val="accent1">
-        <a:tint val="60000"/>
-      </a:schemeClr>
+    <dgm:linClrLst meth="cycle">
+      <a:schemeClr val="lt1"/>
     </dgm:linClrLst>
     <dgm:effectClrLst/>
     <dgm:txLinClrLst/>
@@ -280,42 +331,54 @@
   </dgm:styleLbl>
   <dgm:styleLbl name="fgSibTrans2D1">
     <dgm:fillClrLst meth="repeat">
-      <a:schemeClr val="accent1">
-        <a:tint val="60000"/>
-      </a:schemeClr>
+      <a:schemeClr val="accent2"/>
+      <a:schemeClr val="accent3"/>
+      <a:schemeClr val="accent4"/>
+      <a:schemeClr val="accent5"/>
+      <a:schemeClr val="accent6"/>
     </dgm:fillClrLst>
-    <dgm:linClrLst meth="repeat">
-      <a:schemeClr val="accent1">
-        <a:tint val="60000"/>
-      </a:schemeClr>
+    <dgm:linClrLst meth="cycle">
+      <a:schemeClr val="lt1"/>
     </dgm:linClrLst>
     <dgm:effectClrLst/>
     <dgm:txLinClrLst/>
-    <dgm:txFillClrLst/>
+    <dgm:txFillClrLst meth="repeat">
+      <a:schemeClr val="lt1"/>
+    </dgm:txFillClrLst>
     <dgm:txEffectClrLst/>
   </dgm:styleLbl>
   <dgm:styleLbl name="bgSibTrans2D1">
     <dgm:fillClrLst meth="repeat">
-      <a:schemeClr val="accent1">
-        <a:tint val="60000"/>
-      </a:schemeClr>
+      <a:schemeClr val="accent2"/>
+      <a:schemeClr val="accent3"/>
+      <a:schemeClr val="accent4"/>
+      <a:schemeClr val="accent5"/>
+      <a:schemeClr val="accent6"/>
     </dgm:fillClrLst>
-    <dgm:linClrLst meth="repeat">
-      <a:schemeClr val="accent1">
-        <a:tint val="60000"/>
-      </a:schemeClr>
+    <dgm:linClrLst meth="cycle">
+      <a:schemeClr val="lt1"/>
     </dgm:linClrLst>
     <dgm:effectClrLst/>
     <dgm:txLinClrLst/>
-    <dgm:txFillClrLst/>
+    <dgm:txFillClrLst meth="repeat">
+      <a:schemeClr val="lt1"/>
+    </dgm:txFillClrLst>
     <dgm:txEffectClrLst/>
   </dgm:styleLbl>
   <dgm:styleLbl name="sibTrans1D1">
     <dgm:fillClrLst meth="repeat">
-      <a:schemeClr val="accent1"/>
+      <a:schemeClr val="accent2"/>
+      <a:schemeClr val="accent3"/>
+      <a:schemeClr val="accent4"/>
+      <a:schemeClr val="accent5"/>
+      <a:schemeClr val="accent6"/>
     </dgm:fillClrLst>
     <dgm:linClrLst meth="repeat">
-      <a:schemeClr val="accent1"/>
+      <a:schemeClr val="accent2"/>
+      <a:schemeClr val="accent3"/>
+      <a:schemeClr val="accent4"/>
+      <a:schemeClr val="accent5"/>
+      <a:schemeClr val="accent6"/>
     </dgm:linClrLst>
     <dgm:effectClrLst/>
     <dgm:txLinClrLst/>
@@ -326,10 +389,10 @@
   </dgm:styleLbl>
   <dgm:styleLbl name="callout">
     <dgm:fillClrLst meth="repeat">
-      <a:schemeClr val="accent1"/>
+      <a:schemeClr val="accent2"/>
     </dgm:fillClrLst>
     <dgm:linClrLst meth="repeat">
-      <a:schemeClr val="accent1">
+      <a:schemeClr val="accent2">
         <a:tint val="50000"/>
       </a:schemeClr>
     </dgm:linClrLst>
@@ -354,7 +417,7 @@
   </dgm:styleLbl>
   <dgm:styleLbl name="asst1">
     <dgm:fillClrLst meth="repeat">
-      <a:schemeClr val="accent1"/>
+      <a:schemeClr val="accent2"/>
     </dgm:fillClrLst>
     <dgm:linClrLst meth="repeat">
       <a:schemeClr val="lt1"/>
@@ -365,8 +428,8 @@
     <dgm:txEffectClrLst/>
   </dgm:styleLbl>
   <dgm:styleLbl name="asst2">
-    <dgm:fillClrLst meth="repeat">
-      <a:schemeClr val="accent1"/>
+    <dgm:fillClrLst>
+      <a:schemeClr val="accent3"/>
     </dgm:fillClrLst>
     <dgm:linClrLst meth="repeat">
       <a:schemeClr val="lt1"/>
@@ -377,8 +440,8 @@
     <dgm:txEffectClrLst/>
   </dgm:styleLbl>
   <dgm:styleLbl name="asst3">
-    <dgm:fillClrLst meth="repeat">
-      <a:schemeClr val="accent1"/>
+    <dgm:fillClrLst>
+      <a:schemeClr val="accent4"/>
     </dgm:fillClrLst>
     <dgm:linClrLst meth="repeat">
       <a:schemeClr val="lt1"/>
@@ -389,8 +452,8 @@
     <dgm:txEffectClrLst/>
   </dgm:styleLbl>
   <dgm:styleLbl name="asst4">
-    <dgm:fillClrLst meth="repeat">
-      <a:schemeClr val="accent1"/>
+    <dgm:fillClrLst>
+      <a:schemeClr val="accent5"/>
     </dgm:fillClrLst>
     <dgm:linClrLst meth="repeat">
       <a:schemeClr val="lt1"/>
@@ -402,14 +465,10 @@
   </dgm:styleLbl>
   <dgm:styleLbl name="parChTrans2D1">
     <dgm:fillClrLst meth="repeat">
-      <a:schemeClr val="accent1">
-        <a:tint val="60000"/>
-      </a:schemeClr>
+      <a:schemeClr val="accent2"/>
     </dgm:fillClrLst>
     <dgm:linClrLst meth="repeat">
-      <a:schemeClr val="accent1">
-        <a:tint val="60000"/>
-      </a:schemeClr>
+      <a:schemeClr val="lt1"/>
     </dgm:linClrLst>
     <dgm:effectClrLst/>
     <dgm:txLinClrLst/>
@@ -420,7 +479,45 @@
   </dgm:styleLbl>
   <dgm:styleLbl name="parChTrans2D2">
     <dgm:fillClrLst meth="repeat">
-      <a:schemeClr val="accent1"/>
+      <a:schemeClr val="accent3"/>
+    </dgm:fillClrLst>
+    <dgm:linClrLst meth="repeat">
+      <a:schemeClr val="lt1"/>
+    </dgm:linClrLst>
+    <dgm:effectClrLst/>
+    <dgm:txLinClrLst/>
+    <dgm:txFillClrLst/>
+    <dgm:txEffectClrLst/>
+  </dgm:styleLbl>
+  <dgm:styleLbl name="parChTrans2D3">
+    <dgm:fillClrLst meth="repeat">
+      <a:schemeClr val="accent4"/>
+    </dgm:fillClrLst>
+    <dgm:linClrLst meth="repeat">
+      <a:schemeClr val="lt1"/>
+    </dgm:linClrLst>
+    <dgm:effectClrLst/>
+    <dgm:txLinClrLst/>
+    <dgm:txFillClrLst/>
+    <dgm:txEffectClrLst/>
+  </dgm:styleLbl>
+  <dgm:styleLbl name="parChTrans2D4">
+    <dgm:fillClrLst meth="repeat">
+      <a:schemeClr val="accent5"/>
+    </dgm:fillClrLst>
+    <dgm:linClrLst meth="repeat">
+      <a:schemeClr val="lt1"/>
+    </dgm:linClrLst>
+    <dgm:effectClrLst/>
+    <dgm:txLinClrLst/>
+    <dgm:txFillClrLst meth="repeat">
+      <a:schemeClr val="lt1"/>
+    </dgm:txFillClrLst>
+    <dgm:txEffectClrLst/>
+  </dgm:styleLbl>
+  <dgm:styleLbl name="parChTrans1D1">
+    <dgm:fillClrLst meth="repeat">
+      <a:schemeClr val="accent2"/>
     </dgm:fillClrLst>
     <dgm:linClrLst meth="repeat">
       <a:schemeClr val="accent1"/>
@@ -428,46 +525,18 @@
     <dgm:effectClrLst/>
     <dgm:txLinClrLst/>
     <dgm:txFillClrLst meth="repeat">
-      <a:schemeClr val="lt1"/>
+      <a:schemeClr val="tx1"/>
     </dgm:txFillClrLst>
     <dgm:txEffectClrLst/>
   </dgm:styleLbl>
-  <dgm:styleLbl name="parChTrans2D3">
+  <dgm:styleLbl name="parChTrans1D2">
     <dgm:fillClrLst meth="repeat">
-      <a:schemeClr val="accent1"/>
+      <a:schemeClr val="accent3">
+        <a:tint val="90000"/>
+      </a:schemeClr>
     </dgm:fillClrLst>
     <dgm:linClrLst meth="repeat">
-      <a:schemeClr val="accent1"/>
-    </dgm:linClrLst>
-    <dgm:effectClrLst/>
-    <dgm:txLinClrLst/>
-    <dgm:txFillClrLst meth="repeat">
-      <a:schemeClr val="lt1"/>
-    </dgm:txFillClrLst>
-    <dgm:txEffectClrLst/>
-  </dgm:styleLbl>
-  <dgm:styleLbl name="parChTrans2D4">
-    <dgm:fillClrLst meth="repeat">
-      <a:schemeClr val="accent1"/>
-    </dgm:fillClrLst>
-    <dgm:linClrLst meth="repeat">
-      <a:schemeClr val="accent1"/>
-    </dgm:linClrLst>
-    <dgm:effectClrLst/>
-    <dgm:txLinClrLst/>
-    <dgm:txFillClrLst meth="repeat">
-      <a:schemeClr val="lt1"/>
-    </dgm:txFillClrLst>
-    <dgm:txEffectClrLst/>
-  </dgm:styleLbl>
-  <dgm:styleLbl name="parChTrans1D1">
-    <dgm:fillClrLst meth="repeat">
-      <a:schemeClr val="accent1"/>
-    </dgm:fillClrLst>
-    <dgm:linClrLst meth="repeat">
-      <a:schemeClr val="accent1">
-        <a:shade val="60000"/>
-      </a:schemeClr>
+      <a:schemeClr val="accent2"/>
     </dgm:linClrLst>
     <dgm:effectClrLst/>
     <dgm:txLinClrLst/>
@@ -476,14 +545,14 @@
     </dgm:txFillClrLst>
     <dgm:txEffectClrLst/>
   </dgm:styleLbl>
-  <dgm:styleLbl name="parChTrans1D2">
+  <dgm:styleLbl name="parChTrans1D3">
     <dgm:fillClrLst meth="repeat">
-      <a:schemeClr val="accent1"/>
+      <a:schemeClr val="accent4">
+        <a:tint val="70000"/>
+      </a:schemeClr>
     </dgm:fillClrLst>
     <dgm:linClrLst meth="repeat">
-      <a:schemeClr val="accent1">
-        <a:shade val="60000"/>
-      </a:schemeClr>
+      <a:schemeClr val="accent3"/>
     </dgm:linClrLst>
     <dgm:effectClrLst/>
     <dgm:txLinClrLst/>
@@ -492,14 +561,14 @@
     </dgm:txFillClrLst>
     <dgm:txEffectClrLst/>
   </dgm:styleLbl>
-  <dgm:styleLbl name="parChTrans1D3">
+  <dgm:styleLbl name="parChTrans1D4">
     <dgm:fillClrLst meth="repeat">
-      <a:schemeClr val="accent1"/>
+      <a:schemeClr val="accent5">
+        <a:tint val="50000"/>
+      </a:schemeClr>
     </dgm:fillClrLst>
     <dgm:linClrLst meth="repeat">
-      <a:schemeClr val="accent1">
-        <a:shade val="80000"/>
-      </a:schemeClr>
+      <a:schemeClr val="accent4"/>
     </dgm:linClrLst>
     <dgm:effectClrLst/>
     <dgm:txLinClrLst/>
@@ -508,22 +577,6 @@
     </dgm:txFillClrLst>
     <dgm:txEffectClrLst/>
   </dgm:styleLbl>
-  <dgm:styleLbl name="parChTrans1D4">
-    <dgm:fillClrLst meth="repeat">
-      <a:schemeClr val="accent1"/>
-    </dgm:fillClrLst>
-    <dgm:linClrLst meth="repeat">
-      <a:schemeClr val="accent1">
-        <a:shade val="80000"/>
-      </a:schemeClr>
-    </dgm:linClrLst>
-    <dgm:effectClrLst/>
-    <dgm:txLinClrLst/>
-    <dgm:txFillClrLst meth="repeat">
-      <a:schemeClr val="tx1"/>
-    </dgm:txFillClrLst>
-    <dgm:txEffectClrLst/>
-  </dgm:styleLbl>
   <dgm:styleLbl name="fgAcc1">
     <dgm:fillClrLst meth="repeat">
       <a:schemeClr val="lt1">
@@ -531,7 +584,11 @@
       </a:schemeClr>
     </dgm:fillClrLst>
     <dgm:linClrLst meth="repeat">
-      <a:schemeClr val="accent1"/>
+      <a:schemeClr val="accent2"/>
+      <a:schemeClr val="accent3"/>
+      <a:schemeClr val="accent4"/>
+      <a:schemeClr val="accent5"/>
+      <a:schemeClr val="accent6"/>
     </dgm:linClrLst>
     <dgm:effectClrLst/>
     <dgm:txLinClrLst/>
@@ -547,7 +604,11 @@
       </a:schemeClr>
     </dgm:fillClrLst>
     <dgm:linClrLst meth="repeat">
-      <a:schemeClr val="accent1"/>
+      <a:schemeClr val="accent2"/>
+      <a:schemeClr val="accent3"/>
+      <a:schemeClr val="accent4"/>
+      <a:schemeClr val="accent5"/>
+      <a:schemeClr val="accent6"/>
     </dgm:linClrLst>
     <dgm:effectClrLst/>
     <dgm:txLinClrLst/>
@@ -563,7 +624,11 @@
       </a:schemeClr>
     </dgm:fillClrLst>
     <dgm:linClrLst meth="repeat">
-      <a:schemeClr val="accent1"/>
+      <a:schemeClr val="accent2"/>
+      <a:schemeClr val="accent3"/>
+      <a:schemeClr val="accent4"/>
+      <a:schemeClr val="accent5"/>
+      <a:schemeClr val="accent6"/>
     </dgm:linClrLst>
     <dgm:effectClrLst/>
     <dgm:txLinClrLst/>
@@ -595,6 +660,236 @@
       </a:schemeClr>
     </dgm:fillClrLst>
     <dgm:linClrLst meth="repeat">
+      <a:schemeClr val="accent2"/>
+      <a:schemeClr val="accent3"/>
+      <a:schemeClr val="accent4"/>
+      <a:schemeClr val="accent5"/>
+      <a:schemeClr val="accent6"/>
+    </dgm:linClrLst>
+    <dgm:effectClrLst/>
+    <dgm:txLinClrLst/>
+    <dgm:txFillClrLst meth="repeat">
+      <a:schemeClr val="dk1"/>
+    </dgm:txFillClrLst>
+    <dgm:txEffectClrLst/>
+  </dgm:styleLbl>
+  <dgm:styleLbl name="solidFgAcc1">
+    <dgm:fillClrLst meth="repeat">
+      <a:schemeClr val="lt1"/>
+    </dgm:fillClrLst>
+    <dgm:linClrLst meth="repeat">
+      <a:schemeClr val="accent2"/>
+      <a:schemeClr val="accent3"/>
+      <a:schemeClr val="accent4"/>
+      <a:schemeClr val="accent5"/>
+      <a:schemeClr val="accent6"/>
+    </dgm:linClrLst>
+    <dgm:effectClrLst/>
+    <dgm:txLinClrLst/>
+    <dgm:txFillClrLst meth="repeat">
+      <a:schemeClr val="dk1"/>
+    </dgm:txFillClrLst>
+    <dgm:txEffectClrLst/>
+  </dgm:styleLbl>
+  <dgm:styleLbl name="solidAlignAcc1">
+    <dgm:fillClrLst meth="repeat">
+      <a:schemeClr val="lt1"/>
+    </dgm:fillClrLst>
+    <dgm:linClrLst meth="repeat">
+      <a:schemeClr val="accent2"/>
+      <a:schemeClr val="accent3"/>
+      <a:schemeClr val="accent4"/>
+      <a:schemeClr val="accent5"/>
+      <a:schemeClr val="accent6"/>
+    </dgm:linClrLst>
+    <dgm:effectClrLst/>
+    <dgm:txLinClrLst/>
+    <dgm:txFillClrLst meth="repeat">
+      <a:schemeClr val="dk1"/>
+    </dgm:txFillClrLst>
+    <dgm:txEffectClrLst/>
+  </dgm:styleLbl>
+  <dgm:styleLbl name="solidBgAcc1">
+    <dgm:fillClrLst meth="repeat">
+      <a:schemeClr val="lt1"/>
+    </dgm:fillClrLst>
+    <dgm:linClrLst meth="repeat">
+      <a:schemeClr val="accent2"/>
+      <a:schemeClr val="accent3"/>
+      <a:schemeClr val="accent4"/>
+      <a:schemeClr val="accent5"/>
+      <a:schemeClr val="accent6"/>
+    </dgm:linClrLst>
+    <dgm:effectClrLst/>
+    <dgm:txLinClrLst/>
+    <dgm:txFillClrLst meth="repeat">
+      <a:schemeClr val="dk1"/>
+    </dgm:txFillClrLst>
+    <dgm:txEffectClrLst/>
+  </dgm:styleLbl>
+  <dgm:styleLbl name="fgAccFollowNode1">
+    <dgm:fillClrLst meth="repeat">
+      <a:schemeClr val="accent2">
+        <a:tint val="40000"/>
+        <a:alpha val="90000"/>
+      </a:schemeClr>
+      <a:schemeClr val="accent3">
+        <a:tint val="40000"/>
+        <a:alpha val="90000"/>
+      </a:schemeClr>
+      <a:schemeClr val="accent4">
+        <a:tint val="40000"/>
+        <a:alpha val="90000"/>
+      </a:schemeClr>
+      <a:schemeClr val="accent5">
+        <a:tint val="40000"/>
+        <a:alpha val="90000"/>
+      </a:schemeClr>
+      <a:schemeClr val="accent6">
+        <a:tint val="40000"/>
+        <a:alpha val="90000"/>
+      </a:schemeClr>
+    </dgm:fillClrLst>
+    <dgm:linClrLst meth="repeat">
+      <a:schemeClr val="accent2">
+        <a:tint val="40000"/>
+        <a:alpha val="90000"/>
+      </a:schemeClr>
+      <a:schemeClr val="accent3">
+        <a:tint val="40000"/>
+        <a:alpha val="90000"/>
+      </a:schemeClr>
+      <a:schemeClr val="accent4">
+        <a:tint val="40000"/>
+        <a:alpha val="90000"/>
+      </a:schemeClr>
+      <a:schemeClr val="accent5">
+        <a:tint val="40000"/>
+        <a:alpha val="90000"/>
+      </a:schemeClr>
+      <a:schemeClr val="accent6">
+        <a:tint val="40000"/>
+        <a:alpha val="90000"/>
+      </a:schemeClr>
+    </dgm:linClrLst>
+    <dgm:effectClrLst/>
+    <dgm:txLinClrLst/>
+    <dgm:txFillClrLst meth="repeat">
+      <a:schemeClr val="dk1"/>
+    </dgm:txFillClrLst>
+    <dgm:txEffectClrLst/>
+  </dgm:styleLbl>
+  <dgm:styleLbl name="alignAccFollowNode1">
+    <dgm:fillClrLst meth="repeat">
+      <a:schemeClr val="accent2">
+        <a:tint val="40000"/>
+        <a:alpha val="90000"/>
+      </a:schemeClr>
+      <a:schemeClr val="accent3">
+        <a:tint val="40000"/>
+        <a:alpha val="90000"/>
+      </a:schemeClr>
+      <a:schemeClr val="accent4">
+        <a:tint val="40000"/>
+        <a:alpha val="90000"/>
+      </a:schemeClr>
+      <a:schemeClr val="accent5">
+        <a:tint val="40000"/>
+        <a:alpha val="90000"/>
+      </a:schemeClr>
+      <a:schemeClr val="accent6">
+        <a:tint val="40000"/>
+        <a:alpha val="90000"/>
+      </a:schemeClr>
+    </dgm:fillClrLst>
+    <dgm:linClrLst meth="repeat">
+      <a:schemeClr val="accent2">
+        <a:tint val="40000"/>
+        <a:alpha val="90000"/>
+      </a:schemeClr>
+      <a:schemeClr val="accent3">
+        <a:tint val="40000"/>
+        <a:alpha val="90000"/>
+      </a:schemeClr>
+      <a:schemeClr val="accent4">
+        <a:tint val="40000"/>
+        <a:alpha val="90000"/>
+      </a:schemeClr>
+      <a:schemeClr val="accent5">
+        <a:tint val="40000"/>
+        <a:alpha val="90000"/>
+      </a:schemeClr>
+      <a:schemeClr val="accent6">
+        <a:tint val="40000"/>
+        <a:alpha val="90000"/>
+      </a:schemeClr>
+    </dgm:linClrLst>
+    <dgm:effectClrLst/>
+    <dgm:txLinClrLst/>
+    <dgm:txFillClrLst meth="repeat">
+      <a:schemeClr val="dk1"/>
+    </dgm:txFillClrLst>
+    <dgm:txEffectClrLst/>
+  </dgm:styleLbl>
+  <dgm:styleLbl name="bgAccFollowNode1">
+    <dgm:fillClrLst meth="repeat">
+      <a:schemeClr val="accent2">
+        <a:tint val="40000"/>
+        <a:alpha val="90000"/>
+      </a:schemeClr>
+      <a:schemeClr val="accent3">
+        <a:tint val="40000"/>
+        <a:alpha val="90000"/>
+      </a:schemeClr>
+      <a:schemeClr val="accent4">
+        <a:tint val="40000"/>
+        <a:alpha val="90000"/>
+      </a:schemeClr>
+      <a:schemeClr val="accent5">
+        <a:tint val="40000"/>
+        <a:alpha val="90000"/>
+      </a:schemeClr>
+      <a:schemeClr val="accent6">
+        <a:tint val="40000"/>
+        <a:alpha val="90000"/>
+      </a:schemeClr>
+    </dgm:fillClrLst>
+    <dgm:linClrLst meth="repeat">
+      <a:schemeClr val="accent2">
+        <a:tint val="40000"/>
+        <a:alpha val="90000"/>
+      </a:schemeClr>
+      <a:schemeClr val="accent3">
+        <a:tint val="40000"/>
+        <a:alpha val="90000"/>
+      </a:schemeClr>
+      <a:schemeClr val="accent4">
+        <a:tint val="40000"/>
+        <a:alpha val="90000"/>
+      </a:schemeClr>
+      <a:schemeClr val="accent5">
+        <a:tint val="40000"/>
+        <a:alpha val="90000"/>
+      </a:schemeClr>
+      <a:schemeClr val="accent6">
+        <a:tint val="40000"/>
+        <a:alpha val="90000"/>
+      </a:schemeClr>
+    </dgm:linClrLst>
+    <dgm:effectClrLst/>
+    <dgm:txLinClrLst/>
+    <dgm:txFillClrLst meth="repeat">
+      <a:schemeClr val="dk1"/>
+    </dgm:txFillClrLst>
+    <dgm:txEffectClrLst/>
+  </dgm:styleLbl>
+  <dgm:styleLbl name="fgAcc0">
+    <dgm:fillClrLst meth="repeat">
+      <a:schemeClr val="lt1">
+        <a:alpha val="90000"/>
+      </a:schemeClr>
+    </dgm:fillClrLst>
+    <dgm:linClrLst>
       <a:schemeClr val="accent1"/>
     </dgm:linClrLst>
     <dgm:effectClrLst/>
@@ -604,12 +899,14 @@
     </dgm:txFillClrLst>
     <dgm:txEffectClrLst/>
   </dgm:styleLbl>
-  <dgm:styleLbl name="solidFgAcc1">
+  <dgm:styleLbl name="fgAcc2">
     <dgm:fillClrLst meth="repeat">
-      <a:schemeClr val="lt1"/>
+      <a:schemeClr val="lt1">
+        <a:alpha val="90000"/>
+      </a:schemeClr>
     </dgm:fillClrLst>
-    <dgm:linClrLst meth="repeat">
-      <a:schemeClr val="accent1"/>
+    <dgm:linClrLst>
+      <a:schemeClr val="accent2"/>
     </dgm:linClrLst>
     <dgm:effectClrLst/>
     <dgm:txLinClrLst/>
@@ -618,12 +915,14 @@
     </dgm:txFillClrLst>
     <dgm:txEffectClrLst/>
   </dgm:styleLbl>
-  <dgm:styleLbl name="solidAlignAcc1">
+  <dgm:styleLbl name="fgAcc3">
     <dgm:fillClrLst meth="repeat">
-      <a:schemeClr val="lt1"/>
+      <a:schemeClr val="lt1">
+        <a:alpha val="90000"/>
+      </a:schemeClr>
     </dgm:fillClrLst>
-    <dgm:linClrLst meth="repeat">
-      <a:schemeClr val="accent1"/>
+    <dgm:linClrLst>
+      <a:schemeClr val="accent3"/>
     </dgm:linClrLst>
     <dgm:effectClrLst/>
     <dgm:txLinClrLst/>
@@ -632,12 +931,14 @@
     </dgm:txFillClrLst>
     <dgm:txEffectClrLst/>
   </dgm:styleLbl>
-  <dgm:styleLbl name="solidBgAcc1">
+  <dgm:styleLbl name="fgAcc4">
     <dgm:fillClrLst meth="repeat">
-      <a:schemeClr val="lt1"/>
+      <a:schemeClr val="lt1">
+        <a:alpha val="90000"/>
+      </a:schemeClr>
     </dgm:fillClrLst>
-    <dgm:linClrLst meth="repeat">
-      <a:schemeClr val="accent1"/>
+    <dgm:linClrLst>
+      <a:schemeClr val="accent4"/>
     </dgm:linClrLst>
     <dgm:effectClrLst/>
     <dgm:txLinClrLst/>
@@ -646,18 +947,14 @@
     </dgm:txFillClrLst>
     <dgm:txEffectClrLst/>
   </dgm:styleLbl>
-  <dgm:styleLbl name="fgAccFollowNode1">
+  <dgm:styleLbl name="bgShp">
     <dgm:fillClrLst meth="repeat">
-      <a:schemeClr val="accent1">
-        <a:alpha val="90000"/>
+      <a:schemeClr val="accent2">
         <a:tint val="40000"/>
       </a:schemeClr>
     </dgm:fillClrLst>
     <dgm:linClrLst meth="repeat">
-      <a:schemeClr val="accent1">
-        <a:alpha val="90000"/>
-        <a:tint val="40000"/>
-      </a:schemeClr>
+      <a:schemeClr val="dk1"/>
     </dgm:linClrLst>
     <dgm:effectClrLst/>
     <dgm:txLinClrLst/>
@@ -666,134 +963,14 @@
     </dgm:txFillClrLst>
     <dgm:txEffectClrLst/>
   </dgm:styleLbl>
-  <dgm:styleLbl name="alignAccFollowNode1">
+  <dgm:styleLbl name="dkBgShp">
     <dgm:fillClrLst meth="repeat">
-      <a:schemeClr val="accent1">
-        <a:alpha val="90000"/>
-        <a:tint val="40000"/>
+      <a:schemeClr val="accent2">
+        <a:shade val="90000"/>
       </a:schemeClr>
     </dgm:fillClrLst>
     <dgm:linClrLst meth="repeat">
-      <a:schemeClr val="accent1">
-        <a:alpha val="90000"/>
-        <a:tint val="40000"/>
-      </a:schemeClr>
-    </dgm:linClrLst>
-    <dgm:effectClrLst/>
-    <dgm:txLinClrLst/>
-    <dgm:txFillClrLst meth="repeat">
       <a:schemeClr val="dk1"/>
-    </dgm:txFillClrLst>
-    <dgm:txEffectClrLst/>
-  </dgm:styleLbl>
-  <dgm:styleLbl name="bgAccFollowNode1">
-    <dgm:fillClrLst meth="repeat">
-      <a:schemeClr val="accent1">
-        <a:alpha val="90000"/>
-        <a:tint val="40000"/>
-      </a:schemeClr>
-    </dgm:fillClrLst>
-    <dgm:linClrLst meth="repeat">
-      <a:schemeClr val="accent1">
-        <a:alpha val="90000"/>
-        <a:tint val="40000"/>
-      </a:schemeClr>
-    </dgm:linClrLst>
-    <dgm:effectClrLst/>
-    <dgm:txLinClrLst/>
-    <dgm:txFillClrLst meth="repeat">
-      <a:schemeClr val="dk1"/>
-    </dgm:txFillClrLst>
-    <dgm:txEffectClrLst/>
-  </dgm:styleLbl>
-  <dgm:styleLbl name="fgAcc0">
-    <dgm:fillClrLst meth="repeat">
-      <a:schemeClr val="lt1">
-        <a:alpha val="90000"/>
-      </a:schemeClr>
-    </dgm:fillClrLst>
-    <dgm:linClrLst meth="repeat">
-      <a:schemeClr val="accent1"/>
-    </dgm:linClrLst>
-    <dgm:effectClrLst/>
-    <dgm:txLinClrLst/>
-    <dgm:txFillClrLst meth="repeat">
-      <a:schemeClr val="dk1"/>
-    </dgm:txFillClrLst>
-    <dgm:txEffectClrLst/>
-  </dgm:styleLbl>
-  <dgm:styleLbl name="fgAcc2">
-    <dgm:fillClrLst meth="repeat">
-      <a:schemeClr val="lt1">
-        <a:alpha val="90000"/>
-      </a:schemeClr>
-    </dgm:fillClrLst>
-    <dgm:linClrLst meth="repeat">
-      <a:schemeClr val="accent1"/>
-    </dgm:linClrLst>
-    <dgm:effectClrLst/>
-    <dgm:txLinClrLst/>
-    <dgm:txFillClrLst meth="repeat">
-      <a:schemeClr val="dk1"/>
-    </dgm:txFillClrLst>
-    <dgm:txEffectClrLst/>
-  </dgm:styleLbl>
-  <dgm:styleLbl name="fgAcc3">
-    <dgm:fillClrLst meth="repeat">
-      <a:schemeClr val="lt1">
-        <a:alpha val="90000"/>
-      </a:schemeClr>
-    </dgm:fillClrLst>
-    <dgm:linClrLst meth="repeat">
-      <a:schemeClr val="accent1"/>
-    </dgm:linClrLst>
-    <dgm:effectClrLst/>
-    <dgm:txLinClrLst/>
-    <dgm:txFillClrLst meth="repeat">
-      <a:schemeClr val="dk1"/>
-    </dgm:txFillClrLst>
-    <dgm:txEffectClrLst/>
-  </dgm:styleLbl>
-  <dgm:styleLbl name="fgAcc4">
-    <dgm:fillClrLst meth="repeat">
-      <a:schemeClr val="lt1">
-        <a:alpha val="90000"/>
-      </a:schemeClr>
-    </dgm:fillClrLst>
-    <dgm:linClrLst meth="repeat">
-      <a:schemeClr val="accent1"/>
-    </dgm:linClrLst>
-    <dgm:effectClrLst/>
-    <dgm:txLinClrLst/>
-    <dgm:txFillClrLst meth="repeat">
-      <a:schemeClr val="dk1"/>
-    </dgm:txFillClrLst>
-    <dgm:txEffectClrLst/>
-  </dgm:styleLbl>
-  <dgm:styleLbl name="bgShp">
-    <dgm:fillClrLst meth="repeat">
-      <a:schemeClr val="accent1">
-        <a:tint val="40000"/>
-      </a:schemeClr>
-    </dgm:fillClrLst>
-    <dgm:linClrLst meth="repeat">
-      <a:schemeClr val="accent1"/>
-    </dgm:linClrLst>
-    <dgm:effectClrLst/>
-    <dgm:txLinClrLst/>
-    <dgm:txFillClrLst meth="repeat">
-      <a:schemeClr val="dk1"/>
-    </dgm:txFillClrLst>
-    <dgm:txEffectClrLst/>
-  </dgm:styleLbl>
-  <dgm:styleLbl name="dkBgShp">
-    <dgm:fillClrLst meth="repeat">
-      <a:schemeClr val="accent1">
-        <a:shade val="80000"/>
-      </a:schemeClr>
-    </dgm:fillClrLst>
-    <dgm:linClrLst meth="repeat">
-      <a:schemeClr val="accent1"/>
     </dgm:linClrLst>
     <dgm:effectClrLst/>
     <dgm:txLinClrLst/>
@@ -810,7 +987,7 @@
       </a:schemeClr>
     </dgm:fillClrLst>
     <dgm:linClrLst meth="repeat">
-      <a:schemeClr val="accent1"/>
+      <a:schemeClr val="accent2"/>
     </dgm:linClrLst>
     <dgm:effectClrLst/>
     <dgm:txLinClrLst/>
@@ -821,8 +998,8 @@
   </dgm:styleLbl>
   <dgm:styleLbl name="fgShp">
     <dgm:fillClrLst meth="repeat">
-      <a:schemeClr val="accent1">
-        <a:tint val="60000"/>
+      <a:schemeClr val="accent2">
+        <a:tint val="40000"/>
       </a:schemeClr>
     </dgm:fillClrLst>
     <dgm:linClrLst meth="repeat">
@@ -859,8 +1036,8 @@
 <file path=ppt/diagrams/data1.xml><?xml version="1.0" encoding="utf-8"?>
 <dgm:dataModel xmlns:dgm="http://schemas.openxmlformats.org/drawingml/2006/diagram" xmlns:a="http://schemas.openxmlformats.org/drawingml/2006/main">
   <dgm:ptLst>
-    <dgm:pt modelId="{E0BF0165-77C7-4C6C-9D23-BD06FA35209A}" type="doc">
-      <dgm:prSet loTypeId="urn:microsoft.com/office/officeart/2008/layout/LinedList" loCatId="list" qsTypeId="urn:microsoft.com/office/officeart/2005/8/quickstyle/simple1" qsCatId="simple" csTypeId="urn:microsoft.com/office/officeart/2005/8/colors/accent1_2" csCatId="accent1"/>
+    <dgm:pt modelId="{389C52DA-0D32-4155-ACE7-85486CE3F8B7}" type="doc">
+      <dgm:prSet loTypeId="urn:microsoft.com/office/officeart/2005/8/layout/default" loCatId="list" qsTypeId="urn:microsoft.com/office/officeart/2005/8/quickstyle/simple1" qsCatId="simple" csTypeId="urn:microsoft.com/office/officeart/2005/8/colors/colorful1" csCatId="colorful"/>
       <dgm:spPr/>
       <dgm:t>
         <a:bodyPr/>
@@ -870,7 +1047,7 @@
         </a:p>
       </dgm:t>
     </dgm:pt>
-    <dgm:pt modelId="{B9E2A5D1-ABC7-46E2-BB15-804E01E7B0D1}">
+    <dgm:pt modelId="{34A1606E-D6A3-44CB-AC3E-0C1F7F8ACFD5}">
       <dgm:prSet/>
       <dgm:spPr/>
       <dgm:t>
@@ -879,12 +1056,12 @@
         <a:p>
           <a:r>
             <a:rPr lang="en-US"/>
-            <a:t>Frontend: JavaScript</a:t>
+            <a:t>Frontend: Javascript</a:t>
           </a:r>
         </a:p>
       </dgm:t>
     </dgm:pt>
-    <dgm:pt modelId="{FF8143D5-13B9-4C8F-A839-F3976CDA8983}" type="parTrans" cxnId="{B66B1FD2-3C82-470B-B2A1-984CBF785C5F}">
+    <dgm:pt modelId="{D8249163-F2F3-4AEC-8757-7A8B66CFE748}" type="parTrans" cxnId="{54168BF7-46FC-4871-88D3-54C9E0977CBF}">
       <dgm:prSet/>
       <dgm:spPr/>
       <dgm:t>
@@ -895,7 +1072,7 @@
         </a:p>
       </dgm:t>
     </dgm:pt>
-    <dgm:pt modelId="{9EDC248A-AA28-4602-AD74-AE8225555021}" type="sibTrans" cxnId="{B66B1FD2-3C82-470B-B2A1-984CBF785C5F}">
+    <dgm:pt modelId="{F40DC112-625B-4180-8776-FEF2A0EEC0CB}" type="sibTrans" cxnId="{54168BF7-46FC-4871-88D3-54C9E0977CBF}">
       <dgm:prSet/>
       <dgm:spPr/>
       <dgm:t>
@@ -906,7 +1083,7 @@
         </a:p>
       </dgm:t>
     </dgm:pt>
-    <dgm:pt modelId="{22EDA3AE-ABFB-4015-9707-6BC44697967D}">
+    <dgm:pt modelId="{1504C200-4F7D-4706-86CF-0BC2107A67C2}">
       <dgm:prSet/>
       <dgm:spPr/>
       <dgm:t>
@@ -915,12 +1092,12 @@
         <a:p>
           <a:r>
             <a:rPr lang="en-US"/>
-            <a:t>Backend: Node.Js</a:t>
+            <a:t>Backend: Node.js</a:t>
           </a:r>
         </a:p>
       </dgm:t>
     </dgm:pt>
-    <dgm:pt modelId="{C4AC0B4B-04B1-4DFB-A504-A5E4BD3ED01E}" type="parTrans" cxnId="{AE68F099-2012-4194-A056-00FBD8C864F6}">
+    <dgm:pt modelId="{C9DBA7F0-F7EF-4ECF-9C39-7AE7693FDE5B}" type="parTrans" cxnId="{F74C6CBF-D575-4ED7-8CA3-FB4BFEB124DA}">
       <dgm:prSet/>
       <dgm:spPr/>
       <dgm:t>
@@ -931,7 +1108,7 @@
         </a:p>
       </dgm:t>
     </dgm:pt>
-    <dgm:pt modelId="{5EFBCCC5-69BD-465F-BC01-A3731A0C1256}" type="sibTrans" cxnId="{AE68F099-2012-4194-A056-00FBD8C864F6}">
+    <dgm:pt modelId="{ECCD410F-DBD1-46D4-AB3D-1470AF1C8A09}" type="sibTrans" cxnId="{F74C6CBF-D575-4ED7-8CA3-FB4BFEB124DA}">
       <dgm:prSet/>
       <dgm:spPr/>
       <dgm:t>
@@ -942,7 +1119,7 @@
         </a:p>
       </dgm:t>
     </dgm:pt>
-    <dgm:pt modelId="{D4FEB439-0F49-4759-8EEE-4FAA6E3A4860}">
+    <dgm:pt modelId="{51867641-017F-414B-A38F-1C05D8962D2B}">
       <dgm:prSet/>
       <dgm:spPr/>
       <dgm:t>
@@ -956,7 +1133,7 @@
         </a:p>
       </dgm:t>
     </dgm:pt>
-    <dgm:pt modelId="{3DCFD7CD-549A-4992-A32D-FAFFA0A14A4D}" type="parTrans" cxnId="{0BBCA2C4-7D39-4AED-9B01-47B41BAF7BE6}">
+    <dgm:pt modelId="{6CD2B33F-53A7-4D4B-9C66-E8E256EDE33F}" type="parTrans" cxnId="{03CC3F51-4892-4D35-9FFC-BAA430086838}">
       <dgm:prSet/>
       <dgm:spPr/>
       <dgm:t>
@@ -967,7 +1144,7 @@
         </a:p>
       </dgm:t>
     </dgm:pt>
-    <dgm:pt modelId="{84B8DE2B-06B4-4E36-BCB8-DF68C02D26E0}" type="sibTrans" cxnId="{0BBCA2C4-7D39-4AED-9B01-47B41BAF7BE6}">
+    <dgm:pt modelId="{73EC0A29-E87D-4F5E-936E-BBAC5010583B}" type="sibTrans" cxnId="{03CC3F51-4892-4D35-9FFC-BAA430086838}">
       <dgm:prSet/>
       <dgm:spPr/>
       <dgm:t>
@@ -978,7 +1155,7 @@
         </a:p>
       </dgm:t>
     </dgm:pt>
-    <dgm:pt modelId="{F1BA1D4D-824F-434E-B42B-3E4BC235FE63}">
+    <dgm:pt modelId="{B331ED20-E284-434A-A623-A9371856BDD4}">
       <dgm:prSet/>
       <dgm:spPr/>
       <dgm:t>
@@ -992,7 +1169,7 @@
         </a:p>
       </dgm:t>
     </dgm:pt>
-    <dgm:pt modelId="{C05DF0A9-6EF6-40A4-95F0-3154C002489D}" type="parTrans" cxnId="{8E23D9BE-F8FD-4137-841C-AC53A37D56A2}">
+    <dgm:pt modelId="{E79C096C-0AF8-4378-B563-AA0B7FA88434}" type="parTrans" cxnId="{40E0FC79-AE1E-497B-AB32-9C717EFB890C}">
       <dgm:prSet/>
       <dgm:spPr/>
       <dgm:t>
@@ -1003,7 +1180,7 @@
         </a:p>
       </dgm:t>
     </dgm:pt>
-    <dgm:pt modelId="{E8E7C498-0965-4E47-ADEA-344279F3CA03}" type="sibTrans" cxnId="{8E23D9BE-F8FD-4137-841C-AC53A37D56A2}">
+    <dgm:pt modelId="{4FE65490-54CC-498A-81E0-EEE7D3D8EC6D}" type="sibTrans" cxnId="{40E0FC79-AE1E-497B-AB32-9C717EFB890C}">
       <dgm:prSet/>
       <dgm:spPr/>
       <dgm:t>
@@ -1014,7 +1191,7 @@
         </a:p>
       </dgm:t>
     </dgm:pt>
-    <dgm:pt modelId="{9252C24A-287A-4C97-A51E-DD08DFC39969}">
+    <dgm:pt modelId="{04242640-3984-4BD6-A7CB-2CD2BDB84DA2}">
       <dgm:prSet/>
       <dgm:spPr/>
       <dgm:t>
@@ -1023,12 +1200,12 @@
         <a:p>
           <a:r>
             <a:rPr lang="en-US"/>
-            <a:t>Container Orchestration: Google Kubernetes Engine</a:t>
+            <a:t>Orchestration: Google Kubernetes Engine</a:t>
           </a:r>
         </a:p>
       </dgm:t>
     </dgm:pt>
-    <dgm:pt modelId="{1C8FC2BF-6F33-4BF8-8F06-5D393E2A29CC}" type="parTrans" cxnId="{FA2C7ECD-43FB-47EB-9264-70FF44A7C3C4}">
+    <dgm:pt modelId="{571FD191-9567-4C8F-B508-5DC5D7E71447}" type="parTrans" cxnId="{E7F21F45-660C-42F5-B1F9-AA7981E8A183}">
       <dgm:prSet/>
       <dgm:spPr/>
       <dgm:t>
@@ -1039,7 +1216,7 @@
         </a:p>
       </dgm:t>
     </dgm:pt>
-    <dgm:pt modelId="{CFF0351B-8470-48B2-810E-6D057D0CAF54}" type="sibTrans" cxnId="{FA2C7ECD-43FB-47EB-9264-70FF44A7C3C4}">
+    <dgm:pt modelId="{51952F0A-685A-4E4B-8075-7C80F4BE9133}" type="sibTrans" cxnId="{E7F21F45-660C-42F5-B1F9-AA7981E8A183}">
       <dgm:prSet/>
       <dgm:spPr/>
       <dgm:t>
@@ -1050,129 +1227,145 @@
         </a:p>
       </dgm:t>
     </dgm:pt>
-    <dgm:pt modelId="{9709ECAA-E112-4B7C-B071-B811CB18A16F}" type="pres">
-      <dgm:prSet presAssocID="{E0BF0165-77C7-4C6C-9D23-BD06FA35209A}" presName="vert0" presStyleCnt="0">
+    <dgm:pt modelId="{B683BCF6-18B3-410D-B88D-08EC90095939}">
+      <dgm:prSet/>
+      <dgm:spPr/>
+      <dgm:t>
+        <a:bodyPr/>
+        <a:lstStyle/>
+        <a:p>
+          <a:r>
+            <a:rPr lang="en-US"/>
+            <a:t>Monitoring: Google Monitoring – Metrics, Logs Explorer</a:t>
+          </a:r>
+        </a:p>
+      </dgm:t>
+    </dgm:pt>
+    <dgm:pt modelId="{965A8A1D-E64C-42B9-AA1E-0D759D60AC2B}" type="parTrans" cxnId="{EE6A7DF4-E633-45D1-A9EE-6ADE1D8FBE78}">
+      <dgm:prSet/>
+      <dgm:spPr/>
+      <dgm:t>
+        <a:bodyPr/>
+        <a:lstStyle/>
+        <a:p>
+          <a:endParaRPr lang="en-US"/>
+        </a:p>
+      </dgm:t>
+    </dgm:pt>
+    <dgm:pt modelId="{E46AB932-83FA-4B51-B099-529CC557E3A5}" type="sibTrans" cxnId="{EE6A7DF4-E633-45D1-A9EE-6ADE1D8FBE78}">
+      <dgm:prSet/>
+      <dgm:spPr/>
+      <dgm:t>
+        <a:bodyPr/>
+        <a:lstStyle/>
+        <a:p>
+          <a:endParaRPr lang="en-US"/>
+        </a:p>
+      </dgm:t>
+    </dgm:pt>
+    <dgm:pt modelId="{304F89AE-6A4B-4E0E-9C7E-4A8D64A5E1FD}" type="pres">
+      <dgm:prSet presAssocID="{389C52DA-0D32-4155-ACE7-85486CE3F8B7}" presName="diagram" presStyleCnt="0">
         <dgm:presLayoutVars>
           <dgm:dir/>
-          <dgm:animOne val="branch"/>
-          <dgm:animLvl val="lvl"/>
+          <dgm:resizeHandles val="exact"/>
         </dgm:presLayoutVars>
       </dgm:prSet>
       <dgm:spPr/>
     </dgm:pt>
-    <dgm:pt modelId="{5B8C1F4A-AAFE-44FB-A992-F0AF31E5B958}" type="pres">
-      <dgm:prSet presAssocID="{B9E2A5D1-ABC7-46E2-BB15-804E01E7B0D1}" presName="thickLine" presStyleLbl="alignNode1" presStyleIdx="0" presStyleCnt="5"/>
+    <dgm:pt modelId="{87A193E9-12B2-45B3-BB09-F9BBDF100F5D}" type="pres">
+      <dgm:prSet presAssocID="{34A1606E-D6A3-44CB-AC3E-0C1F7F8ACFD5}" presName="node" presStyleLbl="node1" presStyleIdx="0" presStyleCnt="6">
+        <dgm:presLayoutVars>
+          <dgm:bulletEnabled val="1"/>
+        </dgm:presLayoutVars>
+      </dgm:prSet>
       <dgm:spPr/>
     </dgm:pt>
-    <dgm:pt modelId="{CD65875A-46F6-4FCE-A661-DAD228746B93}" type="pres">
-      <dgm:prSet presAssocID="{B9E2A5D1-ABC7-46E2-BB15-804E01E7B0D1}" presName="horz1" presStyleCnt="0"/>
+    <dgm:pt modelId="{9AD070EA-2676-4A51-B7BD-4DA87A0B8437}" type="pres">
+      <dgm:prSet presAssocID="{F40DC112-625B-4180-8776-FEF2A0EEC0CB}" presName="sibTrans" presStyleCnt="0"/>
       <dgm:spPr/>
     </dgm:pt>
-    <dgm:pt modelId="{78F1CCBF-E742-4240-89DE-3DCC06DDB9D0}" type="pres">
-      <dgm:prSet presAssocID="{B9E2A5D1-ABC7-46E2-BB15-804E01E7B0D1}" presName="tx1" presStyleLbl="revTx" presStyleIdx="0" presStyleCnt="5"/>
+    <dgm:pt modelId="{8CC2A4F7-39ED-49F2-8E1E-FE4258D92016}" type="pres">
+      <dgm:prSet presAssocID="{1504C200-4F7D-4706-86CF-0BC2107A67C2}" presName="node" presStyleLbl="node1" presStyleIdx="1" presStyleCnt="6">
+        <dgm:presLayoutVars>
+          <dgm:bulletEnabled val="1"/>
+        </dgm:presLayoutVars>
+      </dgm:prSet>
       <dgm:spPr/>
     </dgm:pt>
-    <dgm:pt modelId="{E2B7D023-724B-4EBD-8BAD-3002FAC1DC6E}" type="pres">
-      <dgm:prSet presAssocID="{B9E2A5D1-ABC7-46E2-BB15-804E01E7B0D1}" presName="vert1" presStyleCnt="0"/>
+    <dgm:pt modelId="{E89F6CDF-1D6F-42A7-B74C-85FB223C5F08}" type="pres">
+      <dgm:prSet presAssocID="{ECCD410F-DBD1-46D4-AB3D-1470AF1C8A09}" presName="sibTrans" presStyleCnt="0"/>
       <dgm:spPr/>
     </dgm:pt>
-    <dgm:pt modelId="{DE527349-86CB-4548-A87E-C546EBF74BCF}" type="pres">
-      <dgm:prSet presAssocID="{22EDA3AE-ABFB-4015-9707-6BC44697967D}" presName="thickLine" presStyleLbl="alignNode1" presStyleIdx="1" presStyleCnt="5"/>
+    <dgm:pt modelId="{50D58E01-B995-4A2D-9ACC-0E277AEDAA57}" type="pres">
+      <dgm:prSet presAssocID="{51867641-017F-414B-A38F-1C05D8962D2B}" presName="node" presStyleLbl="node1" presStyleIdx="2" presStyleCnt="6">
+        <dgm:presLayoutVars>
+          <dgm:bulletEnabled val="1"/>
+        </dgm:presLayoutVars>
+      </dgm:prSet>
       <dgm:spPr/>
     </dgm:pt>
-    <dgm:pt modelId="{42E17A80-92BF-452B-9FD0-0A00D0E4DBC2}" type="pres">
-      <dgm:prSet presAssocID="{22EDA3AE-ABFB-4015-9707-6BC44697967D}" presName="horz1" presStyleCnt="0"/>
+    <dgm:pt modelId="{984E8A58-E9CD-4D60-873B-01C741D38C2B}" type="pres">
+      <dgm:prSet presAssocID="{73EC0A29-E87D-4F5E-936E-BBAC5010583B}" presName="sibTrans" presStyleCnt="0"/>
       <dgm:spPr/>
     </dgm:pt>
-    <dgm:pt modelId="{79E66740-9514-4A86-A8CB-DAE8A77DF139}" type="pres">
-      <dgm:prSet presAssocID="{22EDA3AE-ABFB-4015-9707-6BC44697967D}" presName="tx1" presStyleLbl="revTx" presStyleIdx="1" presStyleCnt="5"/>
+    <dgm:pt modelId="{CE8457C9-01F9-442C-8B2A-19F3A307042D}" type="pres">
+      <dgm:prSet presAssocID="{B331ED20-E284-434A-A623-A9371856BDD4}" presName="node" presStyleLbl="node1" presStyleIdx="3" presStyleCnt="6">
+        <dgm:presLayoutVars>
+          <dgm:bulletEnabled val="1"/>
+        </dgm:presLayoutVars>
+      </dgm:prSet>
       <dgm:spPr/>
     </dgm:pt>
-    <dgm:pt modelId="{FF365E58-D01D-4741-920D-121997F70FBE}" type="pres">
-      <dgm:prSet presAssocID="{22EDA3AE-ABFB-4015-9707-6BC44697967D}" presName="vert1" presStyleCnt="0"/>
+    <dgm:pt modelId="{5E81FA68-2A57-4A4F-A78D-5F7C0753E5B8}" type="pres">
+      <dgm:prSet presAssocID="{4FE65490-54CC-498A-81E0-EEE7D3D8EC6D}" presName="sibTrans" presStyleCnt="0"/>
       <dgm:spPr/>
     </dgm:pt>
-    <dgm:pt modelId="{0C8E84A8-07D6-4E45-998C-D34D37AFB5A1}" type="pres">
-      <dgm:prSet presAssocID="{D4FEB439-0F49-4759-8EEE-4FAA6E3A4860}" presName="thickLine" presStyleLbl="alignNode1" presStyleIdx="2" presStyleCnt="5"/>
+    <dgm:pt modelId="{055F52B4-C207-4769-9A3D-321847768956}" type="pres">
+      <dgm:prSet presAssocID="{04242640-3984-4BD6-A7CB-2CD2BDB84DA2}" presName="node" presStyleLbl="node1" presStyleIdx="4" presStyleCnt="6">
+        <dgm:presLayoutVars>
+          <dgm:bulletEnabled val="1"/>
+        </dgm:presLayoutVars>
+      </dgm:prSet>
       <dgm:spPr/>
     </dgm:pt>
-    <dgm:pt modelId="{66CEA9D8-05B7-48B5-803E-A298690F3C94}" type="pres">
-      <dgm:prSet presAssocID="{D4FEB439-0F49-4759-8EEE-4FAA6E3A4860}" presName="horz1" presStyleCnt="0"/>
+    <dgm:pt modelId="{DB35748C-A11B-4A96-BB38-C9F0149F5F71}" type="pres">
+      <dgm:prSet presAssocID="{51952F0A-685A-4E4B-8075-7C80F4BE9133}" presName="sibTrans" presStyleCnt="0"/>
       <dgm:spPr/>
     </dgm:pt>
-    <dgm:pt modelId="{BEAA8398-5684-4EDD-81BF-2542A08EA065}" type="pres">
-      <dgm:prSet presAssocID="{D4FEB439-0F49-4759-8EEE-4FAA6E3A4860}" presName="tx1" presStyleLbl="revTx" presStyleIdx="2" presStyleCnt="5"/>
-      <dgm:spPr/>
-    </dgm:pt>
-    <dgm:pt modelId="{2568772D-7975-47E1-A3E5-A6372933562A}" type="pres">
-      <dgm:prSet presAssocID="{D4FEB439-0F49-4759-8EEE-4FAA6E3A4860}" presName="vert1" presStyleCnt="0"/>
-      <dgm:spPr/>
-    </dgm:pt>
-    <dgm:pt modelId="{8E5E8539-97AF-41C9-A330-3FAF3DDDF09F}" type="pres">
-      <dgm:prSet presAssocID="{F1BA1D4D-824F-434E-B42B-3E4BC235FE63}" presName="thickLine" presStyleLbl="alignNode1" presStyleIdx="3" presStyleCnt="5"/>
-      <dgm:spPr/>
-    </dgm:pt>
-    <dgm:pt modelId="{2170A132-6A4E-4DF4-9E5E-85BE9E529245}" type="pres">
-      <dgm:prSet presAssocID="{F1BA1D4D-824F-434E-B42B-3E4BC235FE63}" presName="horz1" presStyleCnt="0"/>
-      <dgm:spPr/>
-    </dgm:pt>
-    <dgm:pt modelId="{AF4053AE-2C4C-4EE1-A7F5-D419369B55E7}" type="pres">
-      <dgm:prSet presAssocID="{F1BA1D4D-824F-434E-B42B-3E4BC235FE63}" presName="tx1" presStyleLbl="revTx" presStyleIdx="3" presStyleCnt="5"/>
-      <dgm:spPr/>
-    </dgm:pt>
-    <dgm:pt modelId="{0CB3E28E-714A-4112-A5E5-D4B0B2BFADCF}" type="pres">
-      <dgm:prSet presAssocID="{F1BA1D4D-824F-434E-B42B-3E4BC235FE63}" presName="vert1" presStyleCnt="0"/>
-      <dgm:spPr/>
-    </dgm:pt>
-    <dgm:pt modelId="{3A31CF2A-8E89-4131-9883-7E98CD0C7E82}" type="pres">
-      <dgm:prSet presAssocID="{9252C24A-287A-4C97-A51E-DD08DFC39969}" presName="thickLine" presStyleLbl="alignNode1" presStyleIdx="4" presStyleCnt="5"/>
-      <dgm:spPr/>
-    </dgm:pt>
-    <dgm:pt modelId="{FD21A7D7-A612-43BE-A099-A4647C327C40}" type="pres">
-      <dgm:prSet presAssocID="{9252C24A-287A-4C97-A51E-DD08DFC39969}" presName="horz1" presStyleCnt="0"/>
-      <dgm:spPr/>
-    </dgm:pt>
-    <dgm:pt modelId="{C8F12D77-1A0F-4FF9-97E2-6C3EEFD80243}" type="pres">
-      <dgm:prSet presAssocID="{9252C24A-287A-4C97-A51E-DD08DFC39969}" presName="tx1" presStyleLbl="revTx" presStyleIdx="4" presStyleCnt="5"/>
-      <dgm:spPr/>
-    </dgm:pt>
-    <dgm:pt modelId="{2AB9185B-8D22-41B8-85C3-8AD0EF711DFA}" type="pres">
-      <dgm:prSet presAssocID="{9252C24A-287A-4C97-A51E-DD08DFC39969}" presName="vert1" presStyleCnt="0"/>
+    <dgm:pt modelId="{4D984BD4-F3E0-414F-9B0A-47AB3269B1AB}" type="pres">
+      <dgm:prSet presAssocID="{B683BCF6-18B3-410D-B88D-08EC90095939}" presName="node" presStyleLbl="node1" presStyleIdx="5" presStyleCnt="6">
+        <dgm:presLayoutVars>
+          <dgm:bulletEnabled val="1"/>
+        </dgm:presLayoutVars>
+      </dgm:prSet>
       <dgm:spPr/>
     </dgm:pt>
   </dgm:ptLst>
   <dgm:cxnLst>
-    <dgm:cxn modelId="{6CF0251D-5973-49F7-9027-296C9DAE7AF3}" type="presOf" srcId="{22EDA3AE-ABFB-4015-9707-6BC44697967D}" destId="{79E66740-9514-4A86-A8CB-DAE8A77DF139}" srcOrd="0" destOrd="0" presId="urn:microsoft.com/office/officeart/2008/layout/LinedList"/>
-    <dgm:cxn modelId="{81750225-0AE1-4DBF-9468-FFC2771190FF}" type="presOf" srcId="{B9E2A5D1-ABC7-46E2-BB15-804E01E7B0D1}" destId="{78F1CCBF-E742-4240-89DE-3DCC06DDB9D0}" srcOrd="0" destOrd="0" presId="urn:microsoft.com/office/officeart/2008/layout/LinedList"/>
-    <dgm:cxn modelId="{AF07FA7A-8118-48A9-A0BF-EE30943CCB53}" type="presOf" srcId="{E0BF0165-77C7-4C6C-9D23-BD06FA35209A}" destId="{9709ECAA-E112-4B7C-B071-B811CB18A16F}" srcOrd="0" destOrd="0" presId="urn:microsoft.com/office/officeart/2008/layout/LinedList"/>
-    <dgm:cxn modelId="{AE68F099-2012-4194-A056-00FBD8C864F6}" srcId="{E0BF0165-77C7-4C6C-9D23-BD06FA35209A}" destId="{22EDA3AE-ABFB-4015-9707-6BC44697967D}" srcOrd="1" destOrd="0" parTransId="{C4AC0B4B-04B1-4DFB-A504-A5E4BD3ED01E}" sibTransId="{5EFBCCC5-69BD-465F-BC01-A3731A0C1256}"/>
-    <dgm:cxn modelId="{B711C4A3-14E8-486E-9560-CB6FC9D85744}" type="presOf" srcId="{9252C24A-287A-4C97-A51E-DD08DFC39969}" destId="{C8F12D77-1A0F-4FF9-97E2-6C3EEFD80243}" srcOrd="0" destOrd="0" presId="urn:microsoft.com/office/officeart/2008/layout/LinedList"/>
-    <dgm:cxn modelId="{8E23D9BE-F8FD-4137-841C-AC53A37D56A2}" srcId="{E0BF0165-77C7-4C6C-9D23-BD06FA35209A}" destId="{F1BA1D4D-824F-434E-B42B-3E4BC235FE63}" srcOrd="3" destOrd="0" parTransId="{C05DF0A9-6EF6-40A4-95F0-3154C002489D}" sibTransId="{E8E7C498-0965-4E47-ADEA-344279F3CA03}"/>
-    <dgm:cxn modelId="{0BBCA2C4-7D39-4AED-9B01-47B41BAF7BE6}" srcId="{E0BF0165-77C7-4C6C-9D23-BD06FA35209A}" destId="{D4FEB439-0F49-4759-8EEE-4FAA6E3A4860}" srcOrd="2" destOrd="0" parTransId="{3DCFD7CD-549A-4992-A32D-FAFFA0A14A4D}" sibTransId="{84B8DE2B-06B4-4E36-BCB8-DF68C02D26E0}"/>
-    <dgm:cxn modelId="{FA2C7ECD-43FB-47EB-9264-70FF44A7C3C4}" srcId="{E0BF0165-77C7-4C6C-9D23-BD06FA35209A}" destId="{9252C24A-287A-4C97-A51E-DD08DFC39969}" srcOrd="4" destOrd="0" parTransId="{1C8FC2BF-6F33-4BF8-8F06-5D393E2A29CC}" sibTransId="{CFF0351B-8470-48B2-810E-6D057D0CAF54}"/>
-    <dgm:cxn modelId="{B66B1FD2-3C82-470B-B2A1-984CBF785C5F}" srcId="{E0BF0165-77C7-4C6C-9D23-BD06FA35209A}" destId="{B9E2A5D1-ABC7-46E2-BB15-804E01E7B0D1}" srcOrd="0" destOrd="0" parTransId="{FF8143D5-13B9-4C8F-A839-F3976CDA8983}" sibTransId="{9EDC248A-AA28-4602-AD74-AE8225555021}"/>
-    <dgm:cxn modelId="{428884D2-3B3E-43E4-A143-A56B862F9195}" type="presOf" srcId="{F1BA1D4D-824F-434E-B42B-3E4BC235FE63}" destId="{AF4053AE-2C4C-4EE1-A7F5-D419369B55E7}" srcOrd="0" destOrd="0" presId="urn:microsoft.com/office/officeart/2008/layout/LinedList"/>
-    <dgm:cxn modelId="{FFDC90EA-0736-485E-AEBD-5A606A1D47B0}" type="presOf" srcId="{D4FEB439-0F49-4759-8EEE-4FAA6E3A4860}" destId="{BEAA8398-5684-4EDD-81BF-2542A08EA065}" srcOrd="0" destOrd="0" presId="urn:microsoft.com/office/officeart/2008/layout/LinedList"/>
-    <dgm:cxn modelId="{68A05C9B-A34E-4A78-8E7F-DA24D56DF28E}" type="presParOf" srcId="{9709ECAA-E112-4B7C-B071-B811CB18A16F}" destId="{5B8C1F4A-AAFE-44FB-A992-F0AF31E5B958}" srcOrd="0" destOrd="0" presId="urn:microsoft.com/office/officeart/2008/layout/LinedList"/>
-    <dgm:cxn modelId="{8419EEB4-0CEB-453D-A81A-FFE569CD7213}" type="presParOf" srcId="{9709ECAA-E112-4B7C-B071-B811CB18A16F}" destId="{CD65875A-46F6-4FCE-A661-DAD228746B93}" srcOrd="1" destOrd="0" presId="urn:microsoft.com/office/officeart/2008/layout/LinedList"/>
-    <dgm:cxn modelId="{416B54E8-61C7-4A51-BF2F-AA06E4B4971F}" type="presParOf" srcId="{CD65875A-46F6-4FCE-A661-DAD228746B93}" destId="{78F1CCBF-E742-4240-89DE-3DCC06DDB9D0}" srcOrd="0" destOrd="0" presId="urn:microsoft.com/office/officeart/2008/layout/LinedList"/>
-    <dgm:cxn modelId="{E9FE1807-0528-46D3-9022-E3FEDBB1B89C}" type="presParOf" srcId="{CD65875A-46F6-4FCE-A661-DAD228746B93}" destId="{E2B7D023-724B-4EBD-8BAD-3002FAC1DC6E}" srcOrd="1" destOrd="0" presId="urn:microsoft.com/office/officeart/2008/layout/LinedList"/>
-    <dgm:cxn modelId="{86D965E6-9964-42A6-9374-EC0830466D14}" type="presParOf" srcId="{9709ECAA-E112-4B7C-B071-B811CB18A16F}" destId="{DE527349-86CB-4548-A87E-C546EBF74BCF}" srcOrd="2" destOrd="0" presId="urn:microsoft.com/office/officeart/2008/layout/LinedList"/>
-    <dgm:cxn modelId="{D00C0A4D-64D0-4FF7-B9BA-7EA34337F66E}" type="presParOf" srcId="{9709ECAA-E112-4B7C-B071-B811CB18A16F}" destId="{42E17A80-92BF-452B-9FD0-0A00D0E4DBC2}" srcOrd="3" destOrd="0" presId="urn:microsoft.com/office/officeart/2008/layout/LinedList"/>
-    <dgm:cxn modelId="{2729684A-D61D-4B53-AE41-2D98F172402B}" type="presParOf" srcId="{42E17A80-92BF-452B-9FD0-0A00D0E4DBC2}" destId="{79E66740-9514-4A86-A8CB-DAE8A77DF139}" srcOrd="0" destOrd="0" presId="urn:microsoft.com/office/officeart/2008/layout/LinedList"/>
-    <dgm:cxn modelId="{D94095B4-7AA9-4CA1-8097-9BD212A173AB}" type="presParOf" srcId="{42E17A80-92BF-452B-9FD0-0A00D0E4DBC2}" destId="{FF365E58-D01D-4741-920D-121997F70FBE}" srcOrd="1" destOrd="0" presId="urn:microsoft.com/office/officeart/2008/layout/LinedList"/>
-    <dgm:cxn modelId="{85FD6512-D314-4BAC-B12E-CB792A2C9679}" type="presParOf" srcId="{9709ECAA-E112-4B7C-B071-B811CB18A16F}" destId="{0C8E84A8-07D6-4E45-998C-D34D37AFB5A1}" srcOrd="4" destOrd="0" presId="urn:microsoft.com/office/officeart/2008/layout/LinedList"/>
-    <dgm:cxn modelId="{007ABA02-2C1D-4C73-B646-4483774AC50E}" type="presParOf" srcId="{9709ECAA-E112-4B7C-B071-B811CB18A16F}" destId="{66CEA9D8-05B7-48B5-803E-A298690F3C94}" srcOrd="5" destOrd="0" presId="urn:microsoft.com/office/officeart/2008/layout/LinedList"/>
-    <dgm:cxn modelId="{99E2245D-EA4D-45ED-875F-79369C3ADF5F}" type="presParOf" srcId="{66CEA9D8-05B7-48B5-803E-A298690F3C94}" destId="{BEAA8398-5684-4EDD-81BF-2542A08EA065}" srcOrd="0" destOrd="0" presId="urn:microsoft.com/office/officeart/2008/layout/LinedList"/>
-    <dgm:cxn modelId="{B6A0E1F9-0454-4070-A9E7-56F9C21635A5}" type="presParOf" srcId="{66CEA9D8-05B7-48B5-803E-A298690F3C94}" destId="{2568772D-7975-47E1-A3E5-A6372933562A}" srcOrd="1" destOrd="0" presId="urn:microsoft.com/office/officeart/2008/layout/LinedList"/>
-    <dgm:cxn modelId="{30DF86A1-D6E4-44E7-955B-A739051B1841}" type="presParOf" srcId="{9709ECAA-E112-4B7C-B071-B811CB18A16F}" destId="{8E5E8539-97AF-41C9-A330-3FAF3DDDF09F}" srcOrd="6" destOrd="0" presId="urn:microsoft.com/office/officeart/2008/layout/LinedList"/>
-    <dgm:cxn modelId="{A20BFF24-1E8C-4E5F-AE08-C11D9D9C0A1B}" type="presParOf" srcId="{9709ECAA-E112-4B7C-B071-B811CB18A16F}" destId="{2170A132-6A4E-4DF4-9E5E-85BE9E529245}" srcOrd="7" destOrd="0" presId="urn:microsoft.com/office/officeart/2008/layout/LinedList"/>
-    <dgm:cxn modelId="{0492ED66-9CD0-4B41-AFB4-D234E330858A}" type="presParOf" srcId="{2170A132-6A4E-4DF4-9E5E-85BE9E529245}" destId="{AF4053AE-2C4C-4EE1-A7F5-D419369B55E7}" srcOrd="0" destOrd="0" presId="urn:microsoft.com/office/officeart/2008/layout/LinedList"/>
-    <dgm:cxn modelId="{5D3C2852-1C60-458A-B63A-A6BF75B99D78}" type="presParOf" srcId="{2170A132-6A4E-4DF4-9E5E-85BE9E529245}" destId="{0CB3E28E-714A-4112-A5E5-D4B0B2BFADCF}" srcOrd="1" destOrd="0" presId="urn:microsoft.com/office/officeart/2008/layout/LinedList"/>
-    <dgm:cxn modelId="{581476C8-1042-4C5D-BC2A-11E6655A4331}" type="presParOf" srcId="{9709ECAA-E112-4B7C-B071-B811CB18A16F}" destId="{3A31CF2A-8E89-4131-9883-7E98CD0C7E82}" srcOrd="8" destOrd="0" presId="urn:microsoft.com/office/officeart/2008/layout/LinedList"/>
-    <dgm:cxn modelId="{18AE5067-5237-4B18-AEB6-F103D762608B}" type="presParOf" srcId="{9709ECAA-E112-4B7C-B071-B811CB18A16F}" destId="{FD21A7D7-A612-43BE-A099-A4647C327C40}" srcOrd="9" destOrd="0" presId="urn:microsoft.com/office/officeart/2008/layout/LinedList"/>
-    <dgm:cxn modelId="{677F8CBB-4C47-4E8C-8545-857F52E53326}" type="presParOf" srcId="{FD21A7D7-A612-43BE-A099-A4647C327C40}" destId="{C8F12D77-1A0F-4FF9-97E2-6C3EEFD80243}" srcOrd="0" destOrd="0" presId="urn:microsoft.com/office/officeart/2008/layout/LinedList"/>
-    <dgm:cxn modelId="{60D45F25-F9D1-4975-BE28-B0F6AF08FDB6}" type="presParOf" srcId="{FD21A7D7-A612-43BE-A099-A4647C327C40}" destId="{2AB9185B-8D22-41B8-85C3-8AD0EF711DFA}" srcOrd="1" destOrd="0" presId="urn:microsoft.com/office/officeart/2008/layout/LinedList"/>
+    <dgm:cxn modelId="{E7F21F45-660C-42F5-B1F9-AA7981E8A183}" srcId="{389C52DA-0D32-4155-ACE7-85486CE3F8B7}" destId="{04242640-3984-4BD6-A7CB-2CD2BDB84DA2}" srcOrd="4" destOrd="0" parTransId="{571FD191-9567-4C8F-B508-5DC5D7E71447}" sibTransId="{51952F0A-685A-4E4B-8075-7C80F4BE9133}"/>
+    <dgm:cxn modelId="{1F9B8D67-B3D4-4EE1-8BFF-D5F8834DE944}" type="presOf" srcId="{389C52DA-0D32-4155-ACE7-85486CE3F8B7}" destId="{304F89AE-6A4B-4E0E-9C7E-4A8D64A5E1FD}" srcOrd="0" destOrd="0" presId="urn:microsoft.com/office/officeart/2005/8/layout/default"/>
+    <dgm:cxn modelId="{03CC3F51-4892-4D35-9FFC-BAA430086838}" srcId="{389C52DA-0D32-4155-ACE7-85486CE3F8B7}" destId="{51867641-017F-414B-A38F-1C05D8962D2B}" srcOrd="2" destOrd="0" parTransId="{6CD2B33F-53A7-4D4B-9C66-E8E256EDE33F}" sibTransId="{73EC0A29-E87D-4F5E-936E-BBAC5010583B}"/>
+    <dgm:cxn modelId="{DD82CA74-EE2B-443B-A3FE-C62E627F03E4}" type="presOf" srcId="{B683BCF6-18B3-410D-B88D-08EC90095939}" destId="{4D984BD4-F3E0-414F-9B0A-47AB3269B1AB}" srcOrd="0" destOrd="0" presId="urn:microsoft.com/office/officeart/2005/8/layout/default"/>
+    <dgm:cxn modelId="{40E0FC79-AE1E-497B-AB32-9C717EFB890C}" srcId="{389C52DA-0D32-4155-ACE7-85486CE3F8B7}" destId="{B331ED20-E284-434A-A623-A9371856BDD4}" srcOrd="3" destOrd="0" parTransId="{E79C096C-0AF8-4378-B563-AA0B7FA88434}" sibTransId="{4FE65490-54CC-498A-81E0-EEE7D3D8EC6D}"/>
+    <dgm:cxn modelId="{09325F84-4C6A-4442-956B-BFE5BFE05D5F}" type="presOf" srcId="{04242640-3984-4BD6-A7CB-2CD2BDB84DA2}" destId="{055F52B4-C207-4769-9A3D-321847768956}" srcOrd="0" destOrd="0" presId="urn:microsoft.com/office/officeart/2005/8/layout/default"/>
+    <dgm:cxn modelId="{D332EF91-8130-4829-9288-74F7B09CE707}" type="presOf" srcId="{1504C200-4F7D-4706-86CF-0BC2107A67C2}" destId="{8CC2A4F7-39ED-49F2-8E1E-FE4258D92016}" srcOrd="0" destOrd="0" presId="urn:microsoft.com/office/officeart/2005/8/layout/default"/>
+    <dgm:cxn modelId="{607F309A-9248-4E25-85E9-4C02BA41FA4C}" type="presOf" srcId="{34A1606E-D6A3-44CB-AC3E-0C1F7F8ACFD5}" destId="{87A193E9-12B2-45B3-BB09-F9BBDF100F5D}" srcOrd="0" destOrd="0" presId="urn:microsoft.com/office/officeart/2005/8/layout/default"/>
+    <dgm:cxn modelId="{DE0F3DB3-D2CA-4F58-9DE2-DB26E5467BB4}" type="presOf" srcId="{51867641-017F-414B-A38F-1C05D8962D2B}" destId="{50D58E01-B995-4A2D-9ACC-0E277AEDAA57}" srcOrd="0" destOrd="0" presId="urn:microsoft.com/office/officeart/2005/8/layout/default"/>
+    <dgm:cxn modelId="{F74C6CBF-D575-4ED7-8CA3-FB4BFEB124DA}" srcId="{389C52DA-0D32-4155-ACE7-85486CE3F8B7}" destId="{1504C200-4F7D-4706-86CF-0BC2107A67C2}" srcOrd="1" destOrd="0" parTransId="{C9DBA7F0-F7EF-4ECF-9C39-7AE7693FDE5B}" sibTransId="{ECCD410F-DBD1-46D4-AB3D-1470AF1C8A09}"/>
+    <dgm:cxn modelId="{CA53D0EA-AFF0-438D-ABDC-B42495B5C208}" type="presOf" srcId="{B331ED20-E284-434A-A623-A9371856BDD4}" destId="{CE8457C9-01F9-442C-8B2A-19F3A307042D}" srcOrd="0" destOrd="0" presId="urn:microsoft.com/office/officeart/2005/8/layout/default"/>
+    <dgm:cxn modelId="{EE6A7DF4-E633-45D1-A9EE-6ADE1D8FBE78}" srcId="{389C52DA-0D32-4155-ACE7-85486CE3F8B7}" destId="{B683BCF6-18B3-410D-B88D-08EC90095939}" srcOrd="5" destOrd="0" parTransId="{965A8A1D-E64C-42B9-AA1E-0D759D60AC2B}" sibTransId="{E46AB932-83FA-4B51-B099-529CC557E3A5}"/>
+    <dgm:cxn modelId="{54168BF7-46FC-4871-88D3-54C9E0977CBF}" srcId="{389C52DA-0D32-4155-ACE7-85486CE3F8B7}" destId="{34A1606E-D6A3-44CB-AC3E-0C1F7F8ACFD5}" srcOrd="0" destOrd="0" parTransId="{D8249163-F2F3-4AEC-8757-7A8B66CFE748}" sibTransId="{F40DC112-625B-4180-8776-FEF2A0EEC0CB}"/>
+    <dgm:cxn modelId="{BF0F8725-5C5F-485A-8172-EF016A3E4968}" type="presParOf" srcId="{304F89AE-6A4B-4E0E-9C7E-4A8D64A5E1FD}" destId="{87A193E9-12B2-45B3-BB09-F9BBDF100F5D}" srcOrd="0" destOrd="0" presId="urn:microsoft.com/office/officeart/2005/8/layout/default"/>
+    <dgm:cxn modelId="{9ADC54C3-F08F-4A1A-967A-EBDFEDD7EF85}" type="presParOf" srcId="{304F89AE-6A4B-4E0E-9C7E-4A8D64A5E1FD}" destId="{9AD070EA-2676-4A51-B7BD-4DA87A0B8437}" srcOrd="1" destOrd="0" presId="urn:microsoft.com/office/officeart/2005/8/layout/default"/>
+    <dgm:cxn modelId="{B49BC85F-BB5C-4A0F-A82E-C9FB06AECEDB}" type="presParOf" srcId="{304F89AE-6A4B-4E0E-9C7E-4A8D64A5E1FD}" destId="{8CC2A4F7-39ED-49F2-8E1E-FE4258D92016}" srcOrd="2" destOrd="0" presId="urn:microsoft.com/office/officeart/2005/8/layout/default"/>
+    <dgm:cxn modelId="{2750384A-0769-4EDB-92E4-7054B88DB315}" type="presParOf" srcId="{304F89AE-6A4B-4E0E-9C7E-4A8D64A5E1FD}" destId="{E89F6CDF-1D6F-42A7-B74C-85FB223C5F08}" srcOrd="3" destOrd="0" presId="urn:microsoft.com/office/officeart/2005/8/layout/default"/>
+    <dgm:cxn modelId="{C86FA679-3C4A-4579-B1BC-BBA3099783BE}" type="presParOf" srcId="{304F89AE-6A4B-4E0E-9C7E-4A8D64A5E1FD}" destId="{50D58E01-B995-4A2D-9ACC-0E277AEDAA57}" srcOrd="4" destOrd="0" presId="urn:microsoft.com/office/officeart/2005/8/layout/default"/>
+    <dgm:cxn modelId="{C99BF5B1-DEE8-43AC-832A-30BD0FACCB8B}" type="presParOf" srcId="{304F89AE-6A4B-4E0E-9C7E-4A8D64A5E1FD}" destId="{984E8A58-E9CD-4D60-873B-01C741D38C2B}" srcOrd="5" destOrd="0" presId="urn:microsoft.com/office/officeart/2005/8/layout/default"/>
+    <dgm:cxn modelId="{D5662F06-1323-46A6-84B6-BE94D41CD4A6}" type="presParOf" srcId="{304F89AE-6A4B-4E0E-9C7E-4A8D64A5E1FD}" destId="{CE8457C9-01F9-442C-8B2A-19F3A307042D}" srcOrd="6" destOrd="0" presId="urn:microsoft.com/office/officeart/2005/8/layout/default"/>
+    <dgm:cxn modelId="{1EB9568B-42C7-496C-8A0C-4A9A46BDBA9E}" type="presParOf" srcId="{304F89AE-6A4B-4E0E-9C7E-4A8D64A5E1FD}" destId="{5E81FA68-2A57-4A4F-A78D-5F7C0753E5B8}" srcOrd="7" destOrd="0" presId="urn:microsoft.com/office/officeart/2005/8/layout/default"/>
+    <dgm:cxn modelId="{042C6113-7283-440E-960E-FCAA6F38EA7D}" type="presParOf" srcId="{304F89AE-6A4B-4E0E-9C7E-4A8D64A5E1FD}" destId="{055F52B4-C207-4769-9A3D-321847768956}" srcOrd="8" destOrd="0" presId="urn:microsoft.com/office/officeart/2005/8/layout/default"/>
+    <dgm:cxn modelId="{C29D7D44-99DC-4E76-9835-6DB19AA4C740}" type="presParOf" srcId="{304F89AE-6A4B-4E0E-9C7E-4A8D64A5E1FD}" destId="{DB35748C-A11B-4A96-BB38-C9F0149F5F71}" srcOrd="9" destOrd="0" presId="urn:microsoft.com/office/officeart/2005/8/layout/default"/>
+    <dgm:cxn modelId="{3185BBA6-FABB-4088-8E45-854671FE062B}" type="presParOf" srcId="{304F89AE-6A4B-4E0E-9C7E-4A8D64A5E1FD}" destId="{4D984BD4-F3E0-414F-9B0A-47AB3269B1AB}" srcOrd="10" destOrd="0" presId="urn:microsoft.com/office/officeart/2005/8/layout/default"/>
   </dgm:cxnLst>
   <dgm:bg/>
   <dgm:whole/>
@@ -1192,21 +1385,21 @@
       <dsp:cNvGrpSpPr/>
     </dsp:nvGrpSpPr>
     <dsp:grpSpPr/>
-    <dsp:sp modelId="{5B8C1F4A-AAFE-44FB-A992-F0AF31E5B958}">
+    <dsp:sp modelId="{87A193E9-12B2-45B3-BB09-F9BBDF100F5D}">
       <dsp:nvSpPr>
         <dsp:cNvPr id="0" name=""/>
         <dsp:cNvSpPr/>
       </dsp:nvSpPr>
       <dsp:spPr>
         <a:xfrm>
-          <a:off x="0" y="456"/>
-          <a:ext cx="10691265" cy="0"/>
+          <a:off x="810670" y="88"/>
+          <a:ext cx="2362111" cy="1417267"/>
         </a:xfrm>
-        <a:prstGeom prst="line">
+        <a:prstGeom prst="rect">
           <a:avLst/>
         </a:prstGeom>
         <a:solidFill>
-          <a:schemeClr val="accent1">
+          <a:schemeClr val="accent2">
             <a:hueOff val="0"/>
             <a:satOff val="0"/>
             <a:lumOff val="0"/>
@@ -1215,7 +1408,7 @@
         </a:solidFill>
         <a:ln w="12700" cap="flat" cmpd="sng" algn="ctr">
           <a:solidFill>
-            <a:schemeClr val="accent1">
+            <a:schemeClr val="lt1">
               <a:hueOff val="0"/>
               <a:satOff val="0"/>
               <a:lumOff val="0"/>
@@ -1241,45 +1434,13 @@
           <a:schemeClr val="lt1"/>
         </a:fontRef>
       </dsp:style>
-    </dsp:sp>
-    <dsp:sp modelId="{78F1CCBF-E742-4240-89DE-3DCC06DDB9D0}">
-      <dsp:nvSpPr>
-        <dsp:cNvPr id="0" name=""/>
-        <dsp:cNvSpPr/>
-      </dsp:nvSpPr>
-      <dsp:spPr>
-        <a:xfrm>
-          <a:off x="0" y="456"/>
-          <a:ext cx="10691265" cy="747796"/>
-        </a:xfrm>
-        <a:prstGeom prst="rect">
-          <a:avLst/>
-        </a:prstGeom>
-        <a:noFill/>
-        <a:ln>
-          <a:noFill/>
-        </a:ln>
-        <a:effectLst/>
-      </dsp:spPr>
-      <dsp:style>
-        <a:lnRef idx="0">
-          <a:scrgbClr r="0" g="0" b="0"/>
-        </a:lnRef>
-        <a:fillRef idx="0">
-          <a:scrgbClr r="0" g="0" b="0"/>
-        </a:fillRef>
-        <a:effectRef idx="0">
-          <a:scrgbClr r="0" g="0" b="0"/>
-        </a:effectRef>
-        <a:fontRef idx="minor"/>
-      </dsp:style>
       <dsp:txBody>
-        <a:bodyPr spcFirstLastPara="0" vert="horz" wrap="square" lIns="133350" tIns="133350" rIns="133350" bIns="133350" numCol="1" spcCol="1270" anchor="t" anchorCtr="0">
+        <a:bodyPr spcFirstLastPara="0" vert="horz" wrap="square" lIns="80010" tIns="80010" rIns="80010" bIns="80010" numCol="1" spcCol="1270" anchor="ctr" anchorCtr="0">
           <a:noAutofit/>
         </a:bodyPr>
         <a:lstStyle/>
         <a:p>
-          <a:pPr marL="0" lvl="0" indent="0" algn="l" defTabSz="1555750">
+          <a:pPr marL="0" lvl="0" indent="0" algn="ctr" defTabSz="933450">
             <a:lnSpc>
               <a:spcPct val="90000"/>
             </a:lnSpc>
@@ -1292,31 +1453,31 @@
             <a:buNone/>
           </a:pPr>
           <a:r>
-            <a:rPr lang="en-US" sz="3500" kern="1200"/>
-            <a:t>Frontend: JavaScript</a:t>
+            <a:rPr lang="en-US" sz="2100" kern="1200"/>
+            <a:t>Frontend: Javascript</a:t>
           </a:r>
         </a:p>
       </dsp:txBody>
       <dsp:txXfrm>
-        <a:off x="0" y="456"/>
-        <a:ext cx="10691265" cy="747796"/>
+        <a:off x="810670" y="88"/>
+        <a:ext cx="2362111" cy="1417267"/>
       </dsp:txXfrm>
     </dsp:sp>
-    <dsp:sp modelId="{DE527349-86CB-4548-A87E-C546EBF74BCF}">
+    <dsp:sp modelId="{8CC2A4F7-39ED-49F2-8E1E-FE4258D92016}">
       <dsp:nvSpPr>
         <dsp:cNvPr id="0" name=""/>
         <dsp:cNvSpPr/>
       </dsp:nvSpPr>
       <dsp:spPr>
         <a:xfrm>
-          <a:off x="0" y="748253"/>
-          <a:ext cx="10691265" cy="0"/>
+          <a:off x="3408993" y="88"/>
+          <a:ext cx="2362111" cy="1417267"/>
         </a:xfrm>
-        <a:prstGeom prst="line">
+        <a:prstGeom prst="rect">
           <a:avLst/>
         </a:prstGeom>
         <a:solidFill>
-          <a:schemeClr val="accent1">
+          <a:schemeClr val="accent3">
             <a:hueOff val="0"/>
             <a:satOff val="0"/>
             <a:lumOff val="0"/>
@@ -1325,7 +1486,7 @@
         </a:solidFill>
         <a:ln w="12700" cap="flat" cmpd="sng" algn="ctr">
           <a:solidFill>
-            <a:schemeClr val="accent1">
+            <a:schemeClr val="lt1">
               <a:hueOff val="0"/>
               <a:satOff val="0"/>
               <a:lumOff val="0"/>
@@ -1351,45 +1512,13 @@
           <a:schemeClr val="lt1"/>
         </a:fontRef>
       </dsp:style>
-    </dsp:sp>
-    <dsp:sp modelId="{79E66740-9514-4A86-A8CB-DAE8A77DF139}">
-      <dsp:nvSpPr>
-        <dsp:cNvPr id="0" name=""/>
-        <dsp:cNvSpPr/>
-      </dsp:nvSpPr>
-      <dsp:spPr>
-        <a:xfrm>
-          <a:off x="0" y="748253"/>
-          <a:ext cx="10691265" cy="747796"/>
-        </a:xfrm>
-        <a:prstGeom prst="rect">
-          <a:avLst/>
-        </a:prstGeom>
-        <a:noFill/>
-        <a:ln>
-          <a:noFill/>
-        </a:ln>
-        <a:effectLst/>
-      </dsp:spPr>
-      <dsp:style>
-        <a:lnRef idx="0">
-          <a:scrgbClr r="0" g="0" b="0"/>
-        </a:lnRef>
-        <a:fillRef idx="0">
-          <a:scrgbClr r="0" g="0" b="0"/>
-        </a:fillRef>
-        <a:effectRef idx="0">
-          <a:scrgbClr r="0" g="0" b="0"/>
-        </a:effectRef>
-        <a:fontRef idx="minor"/>
-      </dsp:style>
       <dsp:txBody>
-        <a:bodyPr spcFirstLastPara="0" vert="horz" wrap="square" lIns="133350" tIns="133350" rIns="133350" bIns="133350" numCol="1" spcCol="1270" anchor="t" anchorCtr="0">
+        <a:bodyPr spcFirstLastPara="0" vert="horz" wrap="square" lIns="80010" tIns="80010" rIns="80010" bIns="80010" numCol="1" spcCol="1270" anchor="ctr" anchorCtr="0">
           <a:noAutofit/>
         </a:bodyPr>
         <a:lstStyle/>
         <a:p>
-          <a:pPr marL="0" lvl="0" indent="0" algn="l" defTabSz="1555750">
+          <a:pPr marL="0" lvl="0" indent="0" algn="ctr" defTabSz="933450">
             <a:lnSpc>
               <a:spcPct val="90000"/>
             </a:lnSpc>
@@ -1402,31 +1531,31 @@
             <a:buNone/>
           </a:pPr>
           <a:r>
-            <a:rPr lang="en-US" sz="3500" kern="1200"/>
-            <a:t>Backend: Node.Js</a:t>
+            <a:rPr lang="en-US" sz="2100" kern="1200"/>
+            <a:t>Backend: Node.js</a:t>
           </a:r>
         </a:p>
       </dsp:txBody>
       <dsp:txXfrm>
-        <a:off x="0" y="748253"/>
-        <a:ext cx="10691265" cy="747796"/>
+        <a:off x="3408993" y="88"/>
+        <a:ext cx="2362111" cy="1417267"/>
       </dsp:txXfrm>
     </dsp:sp>
-    <dsp:sp modelId="{0C8E84A8-07D6-4E45-998C-D34D37AFB5A1}">
+    <dsp:sp modelId="{50D58E01-B995-4A2D-9ACC-0E277AEDAA57}">
       <dsp:nvSpPr>
         <dsp:cNvPr id="0" name=""/>
         <dsp:cNvSpPr/>
       </dsp:nvSpPr>
       <dsp:spPr>
         <a:xfrm>
-          <a:off x="0" y="1496049"/>
-          <a:ext cx="10691265" cy="0"/>
+          <a:off x="810670" y="1653566"/>
+          <a:ext cx="2362111" cy="1417267"/>
         </a:xfrm>
-        <a:prstGeom prst="line">
+        <a:prstGeom prst="rect">
           <a:avLst/>
         </a:prstGeom>
         <a:solidFill>
-          <a:schemeClr val="accent1">
+          <a:schemeClr val="accent4">
             <a:hueOff val="0"/>
             <a:satOff val="0"/>
             <a:lumOff val="0"/>
@@ -1435,7 +1564,7 @@
         </a:solidFill>
         <a:ln w="12700" cap="flat" cmpd="sng" algn="ctr">
           <a:solidFill>
-            <a:schemeClr val="accent1">
+            <a:schemeClr val="lt1">
               <a:hueOff val="0"/>
               <a:satOff val="0"/>
               <a:lumOff val="0"/>
@@ -1461,45 +1590,13 @@
           <a:schemeClr val="lt1"/>
         </a:fontRef>
       </dsp:style>
-    </dsp:sp>
-    <dsp:sp modelId="{BEAA8398-5684-4EDD-81BF-2542A08EA065}">
-      <dsp:nvSpPr>
-        <dsp:cNvPr id="0" name=""/>
-        <dsp:cNvSpPr/>
-      </dsp:nvSpPr>
-      <dsp:spPr>
-        <a:xfrm>
-          <a:off x="0" y="1496049"/>
-          <a:ext cx="10691265" cy="747796"/>
-        </a:xfrm>
-        <a:prstGeom prst="rect">
-          <a:avLst/>
-        </a:prstGeom>
-        <a:noFill/>
-        <a:ln>
-          <a:noFill/>
-        </a:ln>
-        <a:effectLst/>
-      </dsp:spPr>
-      <dsp:style>
-        <a:lnRef idx="0">
-          <a:scrgbClr r="0" g="0" b="0"/>
-        </a:lnRef>
-        <a:fillRef idx="0">
-          <a:scrgbClr r="0" g="0" b="0"/>
-        </a:fillRef>
-        <a:effectRef idx="0">
-          <a:scrgbClr r="0" g="0" b="0"/>
-        </a:effectRef>
-        <a:fontRef idx="minor"/>
-      </dsp:style>
       <dsp:txBody>
-        <a:bodyPr spcFirstLastPara="0" vert="horz" wrap="square" lIns="133350" tIns="133350" rIns="133350" bIns="133350" numCol="1" spcCol="1270" anchor="t" anchorCtr="0">
+        <a:bodyPr spcFirstLastPara="0" vert="horz" wrap="square" lIns="80010" tIns="80010" rIns="80010" bIns="80010" numCol="1" spcCol="1270" anchor="ctr" anchorCtr="0">
           <a:noAutofit/>
         </a:bodyPr>
         <a:lstStyle/>
         <a:p>
-          <a:pPr marL="0" lvl="0" indent="0" algn="l" defTabSz="1555750">
+          <a:pPr marL="0" lvl="0" indent="0" algn="ctr" defTabSz="933450">
             <a:lnSpc>
               <a:spcPct val="90000"/>
             </a:lnSpc>
@@ -1512,31 +1609,31 @@
             <a:buNone/>
           </a:pPr>
           <a:r>
-            <a:rPr lang="en-US" sz="3500" kern="1200"/>
+            <a:rPr lang="en-US" sz="2100" kern="1200"/>
             <a:t>Database: Cloud Firestore</a:t>
           </a:r>
         </a:p>
       </dsp:txBody>
       <dsp:txXfrm>
-        <a:off x="0" y="1496049"/>
-        <a:ext cx="10691265" cy="747796"/>
+        <a:off x="810670" y="1653566"/>
+        <a:ext cx="2362111" cy="1417267"/>
       </dsp:txXfrm>
     </dsp:sp>
-    <dsp:sp modelId="{8E5E8539-97AF-41C9-A330-3FAF3DDDF09F}">
+    <dsp:sp modelId="{CE8457C9-01F9-442C-8B2A-19F3A307042D}">
       <dsp:nvSpPr>
         <dsp:cNvPr id="0" name=""/>
         <dsp:cNvSpPr/>
       </dsp:nvSpPr>
       <dsp:spPr>
         <a:xfrm>
-          <a:off x="0" y="2243846"/>
-          <a:ext cx="10691265" cy="0"/>
+          <a:off x="3408993" y="1653566"/>
+          <a:ext cx="2362111" cy="1417267"/>
         </a:xfrm>
-        <a:prstGeom prst="line">
+        <a:prstGeom prst="rect">
           <a:avLst/>
         </a:prstGeom>
         <a:solidFill>
-          <a:schemeClr val="accent1">
+          <a:schemeClr val="accent5">
             <a:hueOff val="0"/>
             <a:satOff val="0"/>
             <a:lumOff val="0"/>
@@ -1545,7 +1642,7 @@
         </a:solidFill>
         <a:ln w="12700" cap="flat" cmpd="sng" algn="ctr">
           <a:solidFill>
-            <a:schemeClr val="accent1">
+            <a:schemeClr val="lt1">
               <a:hueOff val="0"/>
               <a:satOff val="0"/>
               <a:lumOff val="0"/>
@@ -1571,45 +1668,13 @@
           <a:schemeClr val="lt1"/>
         </a:fontRef>
       </dsp:style>
-    </dsp:sp>
-    <dsp:sp modelId="{AF4053AE-2C4C-4EE1-A7F5-D419369B55E7}">
-      <dsp:nvSpPr>
-        <dsp:cNvPr id="0" name=""/>
-        <dsp:cNvSpPr/>
-      </dsp:nvSpPr>
-      <dsp:spPr>
-        <a:xfrm>
-          <a:off x="0" y="2243846"/>
-          <a:ext cx="10691265" cy="747796"/>
-        </a:xfrm>
-        <a:prstGeom prst="rect">
-          <a:avLst/>
-        </a:prstGeom>
-        <a:noFill/>
-        <a:ln>
-          <a:noFill/>
-        </a:ln>
-        <a:effectLst/>
-      </dsp:spPr>
-      <dsp:style>
-        <a:lnRef idx="0">
-          <a:scrgbClr r="0" g="0" b="0"/>
-        </a:lnRef>
-        <a:fillRef idx="0">
-          <a:scrgbClr r="0" g="0" b="0"/>
-        </a:fillRef>
-        <a:effectRef idx="0">
-          <a:scrgbClr r="0" g="0" b="0"/>
-        </a:effectRef>
-        <a:fontRef idx="minor"/>
-      </dsp:style>
       <dsp:txBody>
-        <a:bodyPr spcFirstLastPara="0" vert="horz" wrap="square" lIns="133350" tIns="133350" rIns="133350" bIns="133350" numCol="1" spcCol="1270" anchor="t" anchorCtr="0">
+        <a:bodyPr spcFirstLastPara="0" vert="horz" wrap="square" lIns="80010" tIns="80010" rIns="80010" bIns="80010" numCol="1" spcCol="1270" anchor="ctr" anchorCtr="0">
           <a:noAutofit/>
         </a:bodyPr>
         <a:lstStyle/>
         <a:p>
-          <a:pPr marL="0" lvl="0" indent="0" algn="l" defTabSz="1555750">
+          <a:pPr marL="0" lvl="0" indent="0" algn="ctr" defTabSz="933450">
             <a:lnSpc>
               <a:spcPct val="90000"/>
             </a:lnSpc>
@@ -1622,31 +1687,31 @@
             <a:buNone/>
           </a:pPr>
           <a:r>
-            <a:rPr lang="en-US" sz="3500" kern="1200"/>
+            <a:rPr lang="en-US" sz="2100" kern="1200"/>
             <a:t>Containerization: Docker</a:t>
           </a:r>
         </a:p>
       </dsp:txBody>
       <dsp:txXfrm>
-        <a:off x="0" y="2243846"/>
-        <a:ext cx="10691265" cy="747796"/>
+        <a:off x="3408993" y="1653566"/>
+        <a:ext cx="2362111" cy="1417267"/>
       </dsp:txXfrm>
     </dsp:sp>
-    <dsp:sp modelId="{3A31CF2A-8E89-4131-9883-7E98CD0C7E82}">
+    <dsp:sp modelId="{055F52B4-C207-4769-9A3D-321847768956}">
       <dsp:nvSpPr>
         <dsp:cNvPr id="0" name=""/>
         <dsp:cNvSpPr/>
       </dsp:nvSpPr>
       <dsp:spPr>
         <a:xfrm>
-          <a:off x="0" y="2991642"/>
-          <a:ext cx="10691265" cy="0"/>
+          <a:off x="810670" y="3307044"/>
+          <a:ext cx="2362111" cy="1417267"/>
         </a:xfrm>
-        <a:prstGeom prst="line">
+        <a:prstGeom prst="rect">
           <a:avLst/>
         </a:prstGeom>
         <a:solidFill>
-          <a:schemeClr val="accent1">
+          <a:schemeClr val="accent6">
             <a:hueOff val="0"/>
             <a:satOff val="0"/>
             <a:lumOff val="0"/>
@@ -1655,7 +1720,7 @@
         </a:solidFill>
         <a:ln w="12700" cap="flat" cmpd="sng" algn="ctr">
           <a:solidFill>
-            <a:schemeClr val="accent1">
+            <a:schemeClr val="lt1">
               <a:hueOff val="0"/>
               <a:satOff val="0"/>
               <a:lumOff val="0"/>
@@ -1681,45 +1746,13 @@
           <a:schemeClr val="lt1"/>
         </a:fontRef>
       </dsp:style>
-    </dsp:sp>
-    <dsp:sp modelId="{C8F12D77-1A0F-4FF9-97E2-6C3EEFD80243}">
-      <dsp:nvSpPr>
-        <dsp:cNvPr id="0" name=""/>
-        <dsp:cNvSpPr/>
-      </dsp:nvSpPr>
-      <dsp:spPr>
-        <a:xfrm>
-          <a:off x="0" y="2991642"/>
-          <a:ext cx="10691265" cy="747796"/>
-        </a:xfrm>
-        <a:prstGeom prst="rect">
-          <a:avLst/>
-        </a:prstGeom>
-        <a:noFill/>
-        <a:ln>
-          <a:noFill/>
-        </a:ln>
-        <a:effectLst/>
-      </dsp:spPr>
-      <dsp:style>
-        <a:lnRef idx="0">
-          <a:scrgbClr r="0" g="0" b="0"/>
-        </a:lnRef>
-        <a:fillRef idx="0">
-          <a:scrgbClr r="0" g="0" b="0"/>
-        </a:fillRef>
-        <a:effectRef idx="0">
-          <a:scrgbClr r="0" g="0" b="0"/>
-        </a:effectRef>
-        <a:fontRef idx="minor"/>
-      </dsp:style>
       <dsp:txBody>
-        <a:bodyPr spcFirstLastPara="0" vert="horz" wrap="square" lIns="133350" tIns="133350" rIns="133350" bIns="133350" numCol="1" spcCol="1270" anchor="t" anchorCtr="0">
+        <a:bodyPr spcFirstLastPara="0" vert="horz" wrap="square" lIns="80010" tIns="80010" rIns="80010" bIns="80010" numCol="1" spcCol="1270" anchor="ctr" anchorCtr="0">
           <a:noAutofit/>
         </a:bodyPr>
         <a:lstStyle/>
         <a:p>
-          <a:pPr marL="0" lvl="0" indent="0" algn="l" defTabSz="1555750">
+          <a:pPr marL="0" lvl="0" indent="0" algn="ctr" defTabSz="933450">
             <a:lnSpc>
               <a:spcPct val="90000"/>
             </a:lnSpc>
@@ -1732,14 +1765,92 @@
             <a:buNone/>
           </a:pPr>
           <a:r>
-            <a:rPr lang="en-US" sz="3500" kern="1200"/>
-            <a:t>Container Orchestration: Google Kubernetes Engine</a:t>
+            <a:rPr lang="en-US" sz="2100" kern="1200"/>
+            <a:t>Orchestration: Google Kubernetes Engine</a:t>
           </a:r>
         </a:p>
       </dsp:txBody>
       <dsp:txXfrm>
-        <a:off x="0" y="2991642"/>
-        <a:ext cx="10691265" cy="747796"/>
+        <a:off x="810670" y="3307044"/>
+        <a:ext cx="2362111" cy="1417267"/>
+      </dsp:txXfrm>
+    </dsp:sp>
+    <dsp:sp modelId="{4D984BD4-F3E0-414F-9B0A-47AB3269B1AB}">
+      <dsp:nvSpPr>
+        <dsp:cNvPr id="0" name=""/>
+        <dsp:cNvSpPr/>
+      </dsp:nvSpPr>
+      <dsp:spPr>
+        <a:xfrm>
+          <a:off x="3408993" y="3307044"/>
+          <a:ext cx="2362111" cy="1417267"/>
+        </a:xfrm>
+        <a:prstGeom prst="rect">
+          <a:avLst/>
+        </a:prstGeom>
+        <a:solidFill>
+          <a:schemeClr val="accent2">
+            <a:hueOff val="0"/>
+            <a:satOff val="0"/>
+            <a:lumOff val="0"/>
+            <a:alphaOff val="0"/>
+          </a:schemeClr>
+        </a:solidFill>
+        <a:ln w="12700" cap="flat" cmpd="sng" algn="ctr">
+          <a:solidFill>
+            <a:schemeClr val="lt1">
+              <a:hueOff val="0"/>
+              <a:satOff val="0"/>
+              <a:lumOff val="0"/>
+              <a:alphaOff val="0"/>
+            </a:schemeClr>
+          </a:solidFill>
+          <a:prstDash val="solid"/>
+          <a:miter lim="800000"/>
+        </a:ln>
+        <a:effectLst/>
+      </dsp:spPr>
+      <dsp:style>
+        <a:lnRef idx="2">
+          <a:scrgbClr r="0" g="0" b="0"/>
+        </a:lnRef>
+        <a:fillRef idx="1">
+          <a:scrgbClr r="0" g="0" b="0"/>
+        </a:fillRef>
+        <a:effectRef idx="0">
+          <a:scrgbClr r="0" g="0" b="0"/>
+        </a:effectRef>
+        <a:fontRef idx="minor">
+          <a:schemeClr val="lt1"/>
+        </a:fontRef>
+      </dsp:style>
+      <dsp:txBody>
+        <a:bodyPr spcFirstLastPara="0" vert="horz" wrap="square" lIns="80010" tIns="80010" rIns="80010" bIns="80010" numCol="1" spcCol="1270" anchor="ctr" anchorCtr="0">
+          <a:noAutofit/>
+        </a:bodyPr>
+        <a:lstStyle/>
+        <a:p>
+          <a:pPr marL="0" lvl="0" indent="0" algn="ctr" defTabSz="933450">
+            <a:lnSpc>
+              <a:spcPct val="90000"/>
+            </a:lnSpc>
+            <a:spcBef>
+              <a:spcPct val="0"/>
+            </a:spcBef>
+            <a:spcAft>
+              <a:spcPct val="35000"/>
+            </a:spcAft>
+            <a:buNone/>
+          </a:pPr>
+          <a:r>
+            <a:rPr lang="en-US" sz="2100" kern="1200"/>
+            <a:t>Monitoring: Google Monitoring – Metrics, Logs Explorer</a:t>
+          </a:r>
+        </a:p>
+      </dsp:txBody>
+      <dsp:txXfrm>
+        <a:off x="3408993" y="3307044"/>
+        <a:ext cx="2362111" cy="1417267"/>
       </dsp:txXfrm>
     </dsp:sp>
   </dsp:spTree>
@@ -1747,12 +1858,11 @@
 </file>
 
 <file path=ppt/diagrams/layout1.xml><?xml version="1.0" encoding="utf-8"?>
-<dgm:layoutDef xmlns:dgm="http://schemas.openxmlformats.org/drawingml/2006/diagram" xmlns:a="http://schemas.openxmlformats.org/drawingml/2006/main" uniqueId="urn:microsoft.com/office/officeart/2008/layout/LinedList">
+<dgm:layoutDef xmlns:dgm="http://schemas.openxmlformats.org/drawingml/2006/diagram" xmlns:a="http://schemas.openxmlformats.org/drawingml/2006/main" uniqueId="urn:microsoft.com/office/officeart/2005/8/layout/default">
   <dgm:title val=""/>
   <dgm:desc val=""/>
   <dgm:catLst>
-    <dgm:cat type="hierarchy" pri="8000"/>
-    <dgm:cat type="list" pri="2500"/>
+    <dgm:cat type="list" pri="400"/>
   </dgm:catLst>
   <dgm:sampData>
     <dgm:dataModel>
@@ -1761,21 +1871,25 @@
         <dgm:pt modelId="1">
           <dgm:prSet phldr="1"/>
         </dgm:pt>
-        <dgm:pt modelId="11">
+        <dgm:pt modelId="2">
           <dgm:prSet phldr="1"/>
         </dgm:pt>
-        <dgm:pt modelId="12">
+        <dgm:pt modelId="3">
           <dgm:prSet phldr="1"/>
         </dgm:pt>
-        <dgm:pt modelId="13">
+        <dgm:pt modelId="4">
+          <dgm:prSet phldr="1"/>
+        </dgm:pt>
+        <dgm:pt modelId="5">
           <dgm:prSet phldr="1"/>
         </dgm:pt>
       </dgm:ptLst>
       <dgm:cxnLst>
-        <dgm:cxn modelId="2" srcId="0" destId="1" srcOrd="0" destOrd="0"/>
-        <dgm:cxn modelId="3" srcId="1" destId="11" srcOrd="0" destOrd="0"/>
-        <dgm:cxn modelId="4" srcId="1" destId="12" srcOrd="1" destOrd="0"/>
-        <dgm:cxn modelId="5" srcId="1" destId="13" srcOrd="2" destOrd="0"/>
+        <dgm:cxn modelId="6" srcId="0" destId="1" srcOrd="0" destOrd="0"/>
+        <dgm:cxn modelId="7" srcId="0" destId="2" srcOrd="1" destOrd="0"/>
+        <dgm:cxn modelId="8" srcId="0" destId="3" srcOrd="2" destOrd="0"/>
+        <dgm:cxn modelId="9" srcId="0" destId="4" srcOrd="3" destOrd="0"/>
+        <dgm:cxn modelId="10" srcId="0" destId="5" srcOrd="4" destOrd="0"/>
       </dgm:cxnLst>
       <dgm:bg/>
       <dgm:whole/>
@@ -1785,20 +1899,12 @@
     <dgm:dataModel>
       <dgm:ptLst>
         <dgm:pt modelId="0" type="doc"/>
-        <dgm:pt modelId="1">
-          <dgm:prSet phldr="1"/>
-        </dgm:pt>
-        <dgm:pt modelId="11">
-          <dgm:prSet phldr="1"/>
-        </dgm:pt>
-        <dgm:pt modelId="12">
-          <dgm:prSet phldr="1"/>
-        </dgm:pt>
+        <dgm:pt modelId="1"/>
+        <dgm:pt modelId="2"/>
       </dgm:ptLst>
       <dgm:cxnLst>
-        <dgm:cxn modelId="2" srcId="0" destId="1" srcOrd="0" destOrd="0"/>
-        <dgm:cxn modelId="3" srcId="1" destId="11" srcOrd="0" destOrd="0"/>
-        <dgm:cxn modelId="4" srcId="1" destId="12" srcOrd="1" destOrd="0"/>
+        <dgm:cxn modelId="3" srcId="0" destId="1" srcOrd="0" destOrd="0"/>
+        <dgm:cxn modelId="4" srcId="0" destId="2" srcOrd="1" destOrd="0"/>
       </dgm:cxnLst>
       <dgm:bg/>
       <dgm:whole/>
@@ -1808,42 +1914,45 @@
     <dgm:dataModel>
       <dgm:ptLst>
         <dgm:pt modelId="0" type="doc"/>
-        <dgm:pt modelId="1">
-          <dgm:prSet phldr="1"/>
-        </dgm:pt>
-        <dgm:pt modelId="11">
-          <dgm:prSet phldr="1"/>
-        </dgm:pt>
-        <dgm:pt modelId="12">
-          <dgm:prSet phldr="1"/>
-        </dgm:pt>
+        <dgm:pt modelId="1"/>
+        <dgm:pt modelId="2"/>
+        <dgm:pt modelId="3"/>
+        <dgm:pt modelId="4"/>
+        <dgm:pt modelId="5"/>
+        <dgm:pt modelId="6"/>
       </dgm:ptLst>
       <dgm:cxnLst>
-        <dgm:cxn modelId="2" srcId="0" destId="1" srcOrd="0" destOrd="0"/>
-        <dgm:cxn modelId="3" srcId="1" destId="11" srcOrd="0" destOrd="0"/>
-        <dgm:cxn modelId="4" srcId="1" destId="12" srcOrd="1" destOrd="0"/>
+        <dgm:cxn modelId="7" srcId="0" destId="1" srcOrd="0" destOrd="0"/>
+        <dgm:cxn modelId="8" srcId="0" destId="2" srcOrd="1" destOrd="0"/>
+        <dgm:cxn modelId="9" srcId="0" destId="3" srcOrd="2" destOrd="0"/>
+        <dgm:cxn modelId="10" srcId="0" destId="4" srcOrd="3" destOrd="0"/>
+        <dgm:cxn modelId="11" srcId="0" destId="5" srcOrd="4" destOrd="0"/>
+        <dgm:cxn modelId="12" srcId="0" destId="6" srcOrd="5" destOrd="0"/>
       </dgm:cxnLst>
       <dgm:bg/>
       <dgm:whole/>
     </dgm:dataModel>
   </dgm:clrData>
-  <dgm:layoutNode name="vert0">
+  <dgm:layoutNode name="diagram">
     <dgm:varLst>
       <dgm:dir/>
-      <dgm:animOne val="branch"/>
-      <dgm:animLvl val="lvl"/>
+      <dgm:resizeHandles val="exact"/>
     </dgm:varLst>
     <dgm:choose name="Name0">
       <dgm:if name="Name1" func="var" arg="dir" op="equ" val="norm">
-        <dgm:alg type="lin">
-          <dgm:param type="linDir" val="fromT"/>
-          <dgm:param type="nodeHorzAlign" val="l"/>
+        <dgm:alg type="snake">
+          <dgm:param type="grDir" val="tL"/>
+          <dgm:param type="flowDir" val="row"/>
+          <dgm:param type="contDir" val="sameDir"/>
+          <dgm:param type="off" val="ctr"/>
         </dgm:alg>
       </dgm:if>
       <dgm:else name="Name2">
-        <dgm:alg type="lin">
-          <dgm:param type="linDir" val="fromT"/>
-          <dgm:param type="nodeHorzAlign" val="r"/>
+        <dgm:alg type="snake">
+          <dgm:param type="grDir" val="tR"/>
+          <dgm:param type="flowDir" val="row"/>
+          <dgm:param type="contDir" val="sameDir"/>
+          <dgm:param type="off" val="ctr"/>
         </dgm:alg>
       </dgm:else>
     </dgm:choose>
@@ -1852,361 +1961,44 @@
     </dgm:shape>
     <dgm:presOf/>
     <dgm:constrLst>
-      <dgm:constr type="w" for="ch" forName="horz1" refType="w"/>
-      <dgm:constr type="h" for="ch" forName="horz1" refType="h"/>
-      <dgm:constr type="h" for="des" forName="vert1" refType="h"/>
-      <dgm:constr type="h" for="des" forName="tx1" refType="h"/>
-      <dgm:constr type="h" for="des" forName="horz2" refType="h"/>
-      <dgm:constr type="h" for="des" forName="vert2" refType="h"/>
-      <dgm:constr type="h" for="des" forName="horz3" refType="h"/>
-      <dgm:constr type="h" for="des" forName="vert3" refType="h"/>
-      <dgm:constr type="h" for="des" forName="horz4" refType="h"/>
-      <dgm:constr type="h" for="des" ptType="node" refType="h"/>
-      <dgm:constr type="primFontSz" for="des" forName="tx1" op="equ" val="65"/>
-      <dgm:constr type="primFontSz" for="des" forName="tx2" op="equ" val="65"/>
-      <dgm:constr type="primFontSz" for="des" forName="tx3" op="equ" val="65"/>
-      <dgm:constr type="primFontSz" for="des" forName="tx4" op="equ" val="65"/>
-      <dgm:constr type="w" for="des" forName="thickLine" refType="w"/>
-      <dgm:constr type="h" for="des" forName="thickLine"/>
-      <dgm:constr type="h" for="des" forName="thinLine1"/>
-      <dgm:constr type="h" for="des" forName="thinLine2b"/>
-      <dgm:constr type="h" for="des" forName="thinLine3"/>
-      <dgm:constr type="h" for="des" forName="vertSpace2a" refType="h" fact="0.05"/>
-      <dgm:constr type="h" for="des" forName="vertSpace2b" refType="h" refFor="des" refForName="vertSpace2a"/>
+      <dgm:constr type="w" for="ch" forName="node" refType="w"/>
+      <dgm:constr type="h" for="ch" forName="node" refType="w" refFor="ch" refForName="node" fact="0.6"/>
+      <dgm:constr type="w" for="ch" forName="sibTrans" refType="w" refFor="ch" refForName="node" fact="0.1"/>
+      <dgm:constr type="sp" refType="w" refFor="ch" refForName="sibTrans"/>
+      <dgm:constr type="primFontSz" for="ch" forName="node" op="equ" val="65"/>
     </dgm:constrLst>
+    <dgm:ruleLst/>
     <dgm:forEach name="Name3" axis="ch" ptType="node">
-      <dgm:layoutNode name="thickLine" styleLbl="alignNode1">
-        <dgm:alg type="sp"/>
-        <dgm:shape xmlns:r="http://schemas.openxmlformats.org/officeDocument/2006/relationships" type="line" r:blip="">
+      <dgm:layoutNode name="node">
+        <dgm:varLst>
+          <dgm:bulletEnabled val="1"/>
+        </dgm:varLst>
+        <dgm:alg type="tx"/>
+        <dgm:shape xmlns:r="http://schemas.openxmlformats.org/officeDocument/2006/relationships" type="rect" r:blip="">
           <dgm:adjLst/>
         </dgm:shape>
-        <dgm:presOf/>
+        <dgm:presOf axis="desOrSelf" ptType="node"/>
+        <dgm:constrLst>
+          <dgm:constr type="lMarg" refType="primFontSz" fact="0.3"/>
+          <dgm:constr type="rMarg" refType="primFontSz" fact="0.3"/>
+          <dgm:constr type="tMarg" refType="primFontSz" fact="0.3"/>
+          <dgm:constr type="bMarg" refType="primFontSz" fact="0.3"/>
+        </dgm:constrLst>
+        <dgm:ruleLst>
+          <dgm:rule type="primFontSz" val="5" fact="NaN" max="NaN"/>
+        </dgm:ruleLst>
       </dgm:layoutNode>
-      <dgm:layoutNode name="horz1">
-        <dgm:choose name="Name4">
-          <dgm:if name="Name5" func="var" arg="dir" op="equ" val="norm">
-            <dgm:alg type="lin">
-              <dgm:param type="linDir" val="fromL"/>
-              <dgm:param type="nodeVertAlign" val="t"/>
-            </dgm:alg>
-          </dgm:if>
-          <dgm:else name="Name6">
-            <dgm:alg type="lin">
-              <dgm:param type="linDir" val="fromR"/>
-              <dgm:param type="nodeVertAlign" val="t"/>
-            </dgm:alg>
-          </dgm:else>
-        </dgm:choose>
-        <dgm:shape xmlns:r="http://schemas.openxmlformats.org/officeDocument/2006/relationships" r:blip="">
-          <dgm:adjLst/>
-        </dgm:shape>
-        <dgm:presOf/>
-        <dgm:choose name="Name7">
-          <dgm:if name="Name8" axis="root des" func="maxDepth" op="equ" val="1">
-            <dgm:constrLst>
-              <dgm:constr type="w" for="ch" forName="tx1" refType="w"/>
-            </dgm:constrLst>
-          </dgm:if>
-          <dgm:if name="Name9" axis="root des" func="maxDepth" op="equ" val="2">
-            <dgm:constrLst>
-              <dgm:constr type="w" for="ch" forName="tx1" refType="w" fact="0.2"/>
-              <dgm:constr type="w" for="des" forName="tx2" refType="w" fact="0.785"/>
-              <dgm:constr type="w" for="des" forName="horzSpace2" refType="w" fact="0.015"/>
-              <dgm:constr type="w" for="des" forName="thinLine2b" refType="w" fact="0.8"/>
-            </dgm:constrLst>
-          </dgm:if>
-          <dgm:if name="Name10" axis="root des" func="maxDepth" op="equ" val="3">
-            <dgm:constrLst>
-              <dgm:constr type="w" for="ch" forName="tx1" refType="w" fact="0.2"/>
-              <dgm:constr type="w" for="des" forName="tx2" refType="w" fact="0.385"/>
-              <dgm:constr type="w" for="des" forName="tx3" refType="w" fact="0.385"/>
-              <dgm:constr type="w" for="des" forName="horzSpace2" refType="w" fact="0.015"/>
-              <dgm:constr type="w" for="des" forName="horzSpace3" refType="w" fact="0.015"/>
-              <dgm:constr type="w" for="des" forName="thinLine2b" refType="w" fact="0.8"/>
-              <dgm:constr type="w" for="des" forName="thinLine3" refType="w" fact="0.385"/>
-            </dgm:constrLst>
-          </dgm:if>
-          <dgm:if name="Name11" axis="root des" func="maxDepth" op="gte" val="4">
-            <dgm:constrLst>
-              <dgm:constr type="w" for="ch" forName="tx1" refType="w" fact="0.2"/>
-              <dgm:constr type="w" for="des" forName="tx2" refType="w" fact="0.2516"/>
-              <dgm:constr type="w" for="des" forName="tx3" refType="w" fact="0.2516"/>
-              <dgm:constr type="w" for="des" forName="tx4" refType="w" fact="0.2516"/>
-              <dgm:constr type="w" for="des" forName="horzSpace2" refType="w" fact="0.015"/>
-              <dgm:constr type="w" for="des" forName="horzSpace3" refType="w" fact="0.015"/>
-              <dgm:constr type="w" for="des" forName="horzSpace4" refType="w" fact="0.015"/>
-              <dgm:constr type="w" for="des" forName="thinLine2b" refType="w" fact="0.8"/>
-              <dgm:constr type="w" for="des" forName="thinLine3" refType="w" fact="0.5332"/>
-            </dgm:constrLst>
-          </dgm:if>
-          <dgm:else name="Name12"/>
-        </dgm:choose>
-        <dgm:layoutNode name="tx1" styleLbl="revTx">
-          <dgm:alg type="tx">
-            <dgm:param type="parTxLTRAlign" val="l"/>
-            <dgm:param type="parTxRTLAlign" val="r"/>
-            <dgm:param type="txAnchorVert" val="t"/>
-          </dgm:alg>
-          <dgm:shape xmlns:r="http://schemas.openxmlformats.org/officeDocument/2006/relationships" type="rect" r:blip="">
-            <dgm:adjLst/>
-          </dgm:shape>
-          <dgm:presOf axis="self"/>
-          <dgm:constrLst>
-            <dgm:constr type="tMarg" refType="primFontSz" fact="0.3"/>
-            <dgm:constr type="bMarg" refType="primFontSz" fact="0.3"/>
-            <dgm:constr type="lMarg" refType="primFontSz" fact="0.3"/>
-            <dgm:constr type="rMarg" refType="primFontSz" fact="0.3"/>
-          </dgm:constrLst>
-          <dgm:ruleLst>
-            <dgm:rule type="primFontSz" val="5" fact="NaN" max="NaN"/>
-          </dgm:ruleLst>
-        </dgm:layoutNode>
-        <dgm:layoutNode name="vert1">
-          <dgm:choose name="Name13">
-            <dgm:if name="Name14" func="var" arg="dir" op="equ" val="norm">
-              <dgm:alg type="lin">
-                <dgm:param type="linDir" val="fromT"/>
-                <dgm:param type="nodeHorzAlign" val="l"/>
-              </dgm:alg>
-            </dgm:if>
-            <dgm:else name="Name15">
-              <dgm:alg type="lin">
-                <dgm:param type="linDir" val="fromT"/>
-                <dgm:param type="nodeHorzAlign" val="r"/>
-              </dgm:alg>
-            </dgm:else>
-          </dgm:choose>
+      <dgm:forEach name="Name4" axis="followSib" ptType="sibTrans" cnt="1">
+        <dgm:layoutNode name="sibTrans">
+          <dgm:alg type="sp"/>
           <dgm:shape xmlns:r="http://schemas.openxmlformats.org/officeDocument/2006/relationships" r:blip="">
             <dgm:adjLst/>
           </dgm:shape>
           <dgm:presOf/>
-          <dgm:forEach name="Name16" axis="ch" ptType="node">
-            <dgm:choose name="Name17">
-              <dgm:if name="Name18" axis="self" ptType="node" func="pos" op="equ" val="1">
-                <dgm:layoutNode name="vertSpace2a">
-                  <dgm:alg type="sp"/>
-                  <dgm:shape xmlns:r="http://schemas.openxmlformats.org/officeDocument/2006/relationships" r:blip="">
-                    <dgm:adjLst/>
-                  </dgm:shape>
-                  <dgm:presOf/>
-                </dgm:layoutNode>
-              </dgm:if>
-              <dgm:else name="Name19"/>
-            </dgm:choose>
-            <dgm:layoutNode name="horz2">
-              <dgm:choose name="Name20">
-                <dgm:if name="Name21" func="var" arg="dir" op="equ" val="norm">
-                  <dgm:alg type="lin">
-                    <dgm:param type="linDir" val="fromL"/>
-                    <dgm:param type="nodeVertAlign" val="t"/>
-                  </dgm:alg>
-                </dgm:if>
-                <dgm:else name="Name22">
-                  <dgm:alg type="lin">
-                    <dgm:param type="linDir" val="fromR"/>
-                    <dgm:param type="nodeVertAlign" val="t"/>
-                  </dgm:alg>
-                </dgm:else>
-              </dgm:choose>
-              <dgm:shape xmlns:r="http://schemas.openxmlformats.org/officeDocument/2006/relationships" r:blip="">
-                <dgm:adjLst/>
-              </dgm:shape>
-              <dgm:presOf/>
-              <dgm:layoutNode name="horzSpace2">
-                <dgm:alg type="sp"/>
-                <dgm:shape xmlns:r="http://schemas.openxmlformats.org/officeDocument/2006/relationships" r:blip="">
-                  <dgm:adjLst/>
-                </dgm:shape>
-                <dgm:presOf/>
-              </dgm:layoutNode>
-              <dgm:layoutNode name="tx2" styleLbl="revTx">
-                <dgm:alg type="tx">
-                  <dgm:param type="parTxLTRAlign" val="l"/>
-                  <dgm:param type="parTxRTLAlign" val="r"/>
-                  <dgm:param type="txAnchorVert" val="t"/>
-                </dgm:alg>
-                <dgm:shape xmlns:r="http://schemas.openxmlformats.org/officeDocument/2006/relationships" type="rect" r:blip="">
-                  <dgm:adjLst/>
-                </dgm:shape>
-                <dgm:presOf axis="self"/>
-                <dgm:constrLst>
-                  <dgm:constr type="tMarg" refType="primFontSz" fact="0.3"/>
-                  <dgm:constr type="bMarg" refType="primFontSz" fact="0.3"/>
-                  <dgm:constr type="lMarg" refType="primFontSz" fact="0.3"/>
-                  <dgm:constr type="rMarg" refType="primFontSz" fact="0.3"/>
-                </dgm:constrLst>
-                <dgm:ruleLst>
-                  <dgm:rule type="primFontSz" val="5" fact="NaN" max="NaN"/>
-                </dgm:ruleLst>
-              </dgm:layoutNode>
-              <dgm:layoutNode name="vert2">
-                <dgm:choose name="Name23">
-                  <dgm:if name="Name24" func="var" arg="dir" op="equ" val="norm">
-                    <dgm:alg type="lin">
-                      <dgm:param type="linDir" val="fromT"/>
-                      <dgm:param type="nodeHorzAlign" val="l"/>
-                    </dgm:alg>
-                  </dgm:if>
-                  <dgm:else name="Name25">
-                    <dgm:alg type="lin">
-                      <dgm:param type="linDir" val="fromT"/>
-                      <dgm:param type="nodeHorzAlign" val="r"/>
-                    </dgm:alg>
-                  </dgm:else>
-                </dgm:choose>
-                <dgm:shape xmlns:r="http://schemas.openxmlformats.org/officeDocument/2006/relationships" r:blip="">
-                  <dgm:adjLst/>
-                </dgm:shape>
-                <dgm:presOf/>
-                <dgm:forEach name="Name26" axis="ch" ptType="node">
-                  <dgm:layoutNode name="horz3">
-                    <dgm:choose name="Name27">
-                      <dgm:if name="Name28" func="var" arg="dir" op="equ" val="norm">
-                        <dgm:alg type="lin">
-                          <dgm:param type="linDir" val="fromL"/>
-                          <dgm:param type="nodeVertAlign" val="t"/>
-                        </dgm:alg>
-                      </dgm:if>
-                      <dgm:else name="Name29">
-                        <dgm:alg type="lin">
-                          <dgm:param type="linDir" val="fromR"/>
-                          <dgm:param type="nodeVertAlign" val="t"/>
-                        </dgm:alg>
-                      </dgm:else>
-                    </dgm:choose>
-                    <dgm:shape xmlns:r="http://schemas.openxmlformats.org/officeDocument/2006/relationships" r:blip="">
-                      <dgm:adjLst/>
-                    </dgm:shape>
-                    <dgm:presOf/>
-                    <dgm:layoutNode name="horzSpace3">
-                      <dgm:alg type="sp"/>
-                      <dgm:shape xmlns:r="http://schemas.openxmlformats.org/officeDocument/2006/relationships" r:blip="">
-                        <dgm:adjLst/>
-                      </dgm:shape>
-                      <dgm:presOf/>
-                    </dgm:layoutNode>
-                    <dgm:layoutNode name="tx3" styleLbl="revTx">
-                      <dgm:alg type="tx">
-                        <dgm:param type="parTxLTRAlign" val="l"/>
-                        <dgm:param type="parTxRTLAlign" val="r"/>
-                        <dgm:param type="txAnchorVert" val="t"/>
-                      </dgm:alg>
-                      <dgm:shape xmlns:r="http://schemas.openxmlformats.org/officeDocument/2006/relationships" type="rect" r:blip="">
-                        <dgm:adjLst/>
-                      </dgm:shape>
-                      <dgm:presOf axis="self"/>
-                      <dgm:constrLst>
-                        <dgm:constr type="tMarg" refType="primFontSz" fact="0.3"/>
-                        <dgm:constr type="bMarg" refType="primFontSz" fact="0.3"/>
-                        <dgm:constr type="lMarg" refType="primFontSz" fact="0.3"/>
-                        <dgm:constr type="rMarg" refType="primFontSz" fact="0.3"/>
-                      </dgm:constrLst>
-                      <dgm:ruleLst>
-                        <dgm:rule type="primFontSz" val="5" fact="NaN" max="NaN"/>
-                      </dgm:ruleLst>
-                    </dgm:layoutNode>
-                    <dgm:layoutNode name="vert3">
-                      <dgm:choose name="Name30">
-                        <dgm:if name="Name31" func="var" arg="dir" op="equ" val="norm">
-                          <dgm:alg type="lin">
-                            <dgm:param type="linDir" val="fromT"/>
-                            <dgm:param type="nodeHorzAlign" val="l"/>
-                          </dgm:alg>
-                        </dgm:if>
-                        <dgm:else name="Name32">
-                          <dgm:alg type="lin">
-                            <dgm:param type="linDir" val="fromT"/>
-                            <dgm:param type="nodeHorzAlign" val="r"/>
-                          </dgm:alg>
-                        </dgm:else>
-                      </dgm:choose>
-                      <dgm:shape xmlns:r="http://schemas.openxmlformats.org/officeDocument/2006/relationships" r:blip="">
-                        <dgm:adjLst/>
-                      </dgm:shape>
-                      <dgm:presOf/>
-                      <dgm:forEach name="Name33" axis="ch" ptType="node">
-                        <dgm:layoutNode name="horz4">
-                          <dgm:choose name="Name34">
-                            <dgm:if name="Name35" func="var" arg="dir" op="equ" val="norm">
-                              <dgm:alg type="lin">
-                                <dgm:param type="linDir" val="fromL"/>
-                                <dgm:param type="nodeVertAlign" val="t"/>
-                              </dgm:alg>
-                            </dgm:if>
-                            <dgm:else name="Name36">
-                              <dgm:alg type="lin">
-                                <dgm:param type="linDir" val="fromR"/>
-                                <dgm:param type="nodeVertAlign" val="t"/>
-                              </dgm:alg>
-                            </dgm:else>
-                          </dgm:choose>
-                          <dgm:shape xmlns:r="http://schemas.openxmlformats.org/officeDocument/2006/relationships" r:blip="">
-                            <dgm:adjLst/>
-                          </dgm:shape>
-                          <dgm:presOf/>
-                          <dgm:layoutNode name="horzSpace4">
-                            <dgm:alg type="sp"/>
-                            <dgm:shape xmlns:r="http://schemas.openxmlformats.org/officeDocument/2006/relationships" r:blip="">
-                              <dgm:adjLst/>
-                            </dgm:shape>
-                            <dgm:presOf/>
-                          </dgm:layoutNode>
-                          <dgm:layoutNode name="tx4" styleLbl="revTx">
-                            <dgm:varLst>
-                              <dgm:bulletEnabled val="1"/>
-                            </dgm:varLst>
-                            <dgm:alg type="tx">
-                              <dgm:param type="parTxLTRAlign" val="l"/>
-                              <dgm:param type="parTxRTLAlign" val="r"/>
-                              <dgm:param type="txAnchorVert" val="t"/>
-                            </dgm:alg>
-                            <dgm:shape xmlns:r="http://schemas.openxmlformats.org/officeDocument/2006/relationships" type="rect" r:blip="">
-                              <dgm:adjLst/>
-                            </dgm:shape>
-                            <dgm:presOf axis="desOrSelf" ptType="node"/>
-                            <dgm:constrLst>
-                              <dgm:constr type="tMarg" refType="primFontSz" fact="0.3"/>
-                              <dgm:constr type="bMarg" refType="primFontSz" fact="0.3"/>
-                              <dgm:constr type="lMarg" refType="primFontSz" fact="0.3"/>
-                              <dgm:constr type="rMarg" refType="primFontSz" fact="0.3"/>
-                            </dgm:constrLst>
-                            <dgm:ruleLst>
-                              <dgm:rule type="primFontSz" val="5" fact="NaN" max="NaN"/>
-                            </dgm:ruleLst>
-                          </dgm:layoutNode>
-                        </dgm:layoutNode>
-                      </dgm:forEach>
-                    </dgm:layoutNode>
-                  </dgm:layoutNode>
-                  <dgm:forEach name="Name37" axis="followSib" ptType="sibTrans" cnt="1">
-                    <dgm:layoutNode name="thinLine3" styleLbl="callout">
-                      <dgm:alg type="sp"/>
-                      <dgm:shape xmlns:r="http://schemas.openxmlformats.org/officeDocument/2006/relationships" type="line" r:blip="">
-                        <dgm:adjLst/>
-                      </dgm:shape>
-                      <dgm:presOf/>
-                    </dgm:layoutNode>
-                  </dgm:forEach>
-                </dgm:forEach>
-              </dgm:layoutNode>
-            </dgm:layoutNode>
-            <dgm:layoutNode name="thinLine2b" styleLbl="callout">
-              <dgm:alg type="sp"/>
-              <dgm:shape xmlns:r="http://schemas.openxmlformats.org/officeDocument/2006/relationships" type="line" r:blip="">
-                <dgm:adjLst/>
-              </dgm:shape>
-              <dgm:presOf/>
-            </dgm:layoutNode>
-            <dgm:layoutNode name="vertSpace2b">
-              <dgm:alg type="sp"/>
-              <dgm:shape xmlns:r="http://schemas.openxmlformats.org/officeDocument/2006/relationships" r:blip="">
-                <dgm:adjLst/>
-              </dgm:shape>
-              <dgm:presOf/>
-            </dgm:layoutNode>
-          </dgm:forEach>
+          <dgm:constrLst/>
+          <dgm:ruleLst/>
         </dgm:layoutNode>
-      </dgm:layoutNode>
+      </dgm:forEach>
     </dgm:forEach>
   </dgm:layoutNode>
 </dgm:layoutDef>
@@ -7247,6 +7039,14 @@
 <file path=ppt/slides/slide3.xml><?xml version="1.0" encoding="utf-8"?>
 <p:sld xmlns:a="http://schemas.openxmlformats.org/drawingml/2006/main" xmlns:r="http://schemas.openxmlformats.org/officeDocument/2006/relationships" xmlns:p="http://schemas.openxmlformats.org/presentationml/2006/main">
   <p:cSld>
+    <p:bg>
+      <p:bgPr>
+        <a:solidFill>
+          <a:schemeClr val="bg1"/>
+        </a:solidFill>
+        <a:effectLst/>
+      </p:bgPr>
+    </p:bg>
     <p:spTree>
       <p:nvGrpSpPr>
         <p:cNvPr id="1" name=""/>
@@ -7261,12 +7061,88 @@
           <a:chExt cx="0" cy="0"/>
         </a:xfrm>
       </p:grpSpPr>
+      <p:sp useBgFill="1">
+        <p:nvSpPr>
+          <p:cNvPr id="14" name="Rectangle 13">
+            <a:extLst>
+              <a:ext uri="{FF2B5EF4-FFF2-40B4-BE49-F238E27FC236}">
+                <a16:creationId xmlns:a16="http://schemas.microsoft.com/office/drawing/2014/main" id="{F68B2C62-7648-4430-90D5-AE0F252AF113}"/>
+              </a:ext>
+              <a:ext uri="{C183D7F6-B498-43B3-948B-1728B52AA6E4}">
+                <adec:decorative xmlns:adec="http://schemas.microsoft.com/office/drawing/2017/decorative" val="1"/>
+              </a:ext>
+            </a:extLst>
+          </p:cNvPr>
+          <p:cNvSpPr>
+            <a:spLocks noGrp="1" noRot="1" noChangeAspect="1" noMove="1" noResize="1" noEditPoints="1" noAdjustHandles="1" noChangeArrowheads="1" noChangeShapeType="1" noTextEdit="1"/>
+          </p:cNvSpPr>
+          <p:nvPr>
+            <p:extLst>
+              <p:ext uri="{386F3935-93C4-4BCD-93E2-E3B085C9AB24}">
+                <p16:designElem xmlns:p16="http://schemas.microsoft.com/office/powerpoint/2015/main" val="1"/>
+              </p:ext>
+            </p:extLst>
+          </p:nvPr>
+        </p:nvSpPr>
+        <p:spPr>
+          <a:xfrm>
+            <a:off x="0" y="0"/>
+            <a:ext cx="12192000" cy="6858000"/>
+          </a:xfrm>
+          <a:prstGeom prst="rect">
+            <a:avLst/>
+          </a:prstGeom>
+          <a:ln w="12700" cap="flat" cmpd="sng" algn="ctr">
+            <a:noFill/>
+            <a:prstDash val="solid"/>
+            <a:miter lim="800000"/>
+          </a:ln>
+          <a:effectLst/>
+          <a:extLst>
+            <a:ext uri="{91240B29-F687-4F45-9708-019B960494DF}">
+              <a14:hiddenLine xmlns:a14="http://schemas.microsoft.com/office/drawing/2010/main" w="12700" cap="flat" cmpd="sng" algn="ctr">
+                <a:solidFill>
+                  <a:schemeClr val="accent1">
+                    <a:shade val="50000"/>
+                  </a:schemeClr>
+                </a:solidFill>
+                <a:prstDash val="solid"/>
+                <a:miter lim="800000"/>
+              </a14:hiddenLine>
+            </a:ext>
+          </a:extLst>
+        </p:spPr>
+        <p:style>
+          <a:lnRef idx="2">
+            <a:schemeClr val="accent1">
+              <a:shade val="50000"/>
+            </a:schemeClr>
+          </a:lnRef>
+          <a:fillRef idx="1">
+            <a:schemeClr val="accent1"/>
+          </a:fillRef>
+          <a:effectRef idx="0">
+            <a:schemeClr val="accent1"/>
+          </a:effectRef>
+          <a:fontRef idx="minor">
+            <a:schemeClr val="lt1"/>
+          </a:fontRef>
+        </p:style>
+        <p:txBody>
+          <a:bodyPr rtlCol="0" anchor="ctr"/>
+          <a:lstStyle/>
+          <a:p>
+            <a:pPr algn="ctr"/>
+            <a:endParaRPr lang="en-US"/>
+          </a:p>
+        </p:txBody>
+      </p:sp>
       <p:sp>
         <p:nvSpPr>
           <p:cNvPr id="2" name="Title 1">
             <a:extLst>
               <a:ext uri="{FF2B5EF4-FFF2-40B4-BE49-F238E27FC236}">
-                <a16:creationId xmlns:a16="http://schemas.microsoft.com/office/drawing/2014/main" id="{7E64D523-1E54-745F-F659-BCDE4DBEE866}"/>
+                <a16:creationId xmlns:a16="http://schemas.microsoft.com/office/drawing/2014/main" id="{A37EDD50-AA90-5E09-5445-DA3603AFF44E}"/>
               </a:ext>
             </a:extLst>
           </p:cNvPr>
@@ -7277,9 +7153,16 @@
             <p:ph type="title"/>
           </p:nvPr>
         </p:nvSpPr>
-        <p:spPr/>
+        <p:spPr>
+          <a:xfrm>
+            <a:off x="704088" y="914400"/>
+            <a:ext cx="3660776" cy="4404064"/>
+          </a:xfrm>
+        </p:spPr>
         <p:txBody>
-          <a:bodyPr/>
+          <a:bodyPr>
+            <a:normAutofit/>
+          </a:bodyPr>
           <a:lstStyle/>
           <a:p>
             <a:r>
@@ -7290,12 +7173,116 @@
           </a:p>
         </p:txBody>
       </p:sp>
+      <p:cxnSp>
+        <p:nvCxnSpPr>
+          <p:cNvPr id="15" name="Straight Connector 14">
+            <a:extLst>
+              <a:ext uri="{FF2B5EF4-FFF2-40B4-BE49-F238E27FC236}">
+                <a16:creationId xmlns:a16="http://schemas.microsoft.com/office/drawing/2014/main" id="{B75B4F83-6FDB-4998-8E11-31CE6E7040B7}"/>
+              </a:ext>
+              <a:ext uri="{C183D7F6-B498-43B3-948B-1728B52AA6E4}">
+                <adec:decorative xmlns:adec="http://schemas.microsoft.com/office/drawing/2017/decorative" val="1"/>
+              </a:ext>
+            </a:extLst>
+          </p:cNvPr>
+          <p:cNvCxnSpPr>
+            <a:cxnSpLocks noGrp="1" noRot="1" noChangeAspect="1" noMove="1" noResize="1" noEditPoints="1" noAdjustHandles="1" noChangeArrowheads="1" noChangeShapeType="1"/>
+          </p:cNvCxnSpPr>
+          <p:nvPr>
+            <p:extLst>
+              <p:ext uri="{386F3935-93C4-4BCD-93E2-E3B085C9AB24}">
+                <p16:designElem xmlns:p16="http://schemas.microsoft.com/office/powerpoint/2015/main" val="1"/>
+              </p:ext>
+            </p:extLst>
+          </p:nvPr>
+        </p:nvCxnSpPr>
+        <p:spPr>
+          <a:xfrm>
+            <a:off x="800100" y="723900"/>
+            <a:ext cx="10591800" cy="0"/>
+          </a:xfrm>
+          <a:prstGeom prst="line">
+            <a:avLst/>
+          </a:prstGeom>
+          <a:ln w="44450">
+            <a:solidFill>
+              <a:schemeClr val="tx1"/>
+            </a:solidFill>
+          </a:ln>
+        </p:spPr>
+        <p:style>
+          <a:lnRef idx="1">
+            <a:schemeClr val="accent1"/>
+          </a:lnRef>
+          <a:fillRef idx="0">
+            <a:schemeClr val="accent1"/>
+          </a:fillRef>
+          <a:effectRef idx="0">
+            <a:schemeClr val="accent1"/>
+          </a:effectRef>
+          <a:fontRef idx="minor">
+            <a:schemeClr val="tx1"/>
+          </a:fontRef>
+        </p:style>
+      </p:cxnSp>
+      <p:cxnSp>
+        <p:nvCxnSpPr>
+          <p:cNvPr id="13" name="Straight Connector 12">
+            <a:extLst>
+              <a:ext uri="{FF2B5EF4-FFF2-40B4-BE49-F238E27FC236}">
+                <a16:creationId xmlns:a16="http://schemas.microsoft.com/office/drawing/2014/main" id="{B0794B99-5B9D-4B94-9505-1EDED76CD61F}"/>
+              </a:ext>
+              <a:ext uri="{C183D7F6-B498-43B3-948B-1728B52AA6E4}">
+                <adec:decorative xmlns:adec="http://schemas.microsoft.com/office/drawing/2017/decorative" val="1"/>
+              </a:ext>
+            </a:extLst>
+          </p:cNvPr>
+          <p:cNvCxnSpPr>
+            <a:cxnSpLocks noGrp="1" noRot="1" noChangeAspect="1" noMove="1" noResize="1" noEditPoints="1" noAdjustHandles="1" noChangeArrowheads="1" noChangeShapeType="1"/>
+          </p:cNvCxnSpPr>
+          <p:nvPr>
+            <p:extLst>
+              <p:ext uri="{386F3935-93C4-4BCD-93E2-E3B085C9AB24}">
+                <p16:designElem xmlns:p16="http://schemas.microsoft.com/office/powerpoint/2015/main" val="1"/>
+              </p:ext>
+            </p:extLst>
+          </p:nvPr>
+        </p:nvCxnSpPr>
+        <p:spPr>
+          <a:xfrm>
+            <a:off x="800100" y="6142781"/>
+            <a:ext cx="10591800" cy="0"/>
+          </a:xfrm>
+          <a:prstGeom prst="line">
+            <a:avLst/>
+          </a:prstGeom>
+          <a:ln w="12700">
+            <a:solidFill>
+              <a:schemeClr val="tx1"/>
+            </a:solidFill>
+          </a:ln>
+        </p:spPr>
+        <p:style>
+          <a:lnRef idx="1">
+            <a:schemeClr val="accent1"/>
+          </a:lnRef>
+          <a:fillRef idx="0">
+            <a:schemeClr val="accent1"/>
+          </a:fillRef>
+          <a:effectRef idx="0">
+            <a:schemeClr val="accent1"/>
+          </a:effectRef>
+          <a:fontRef idx="minor">
+            <a:schemeClr val="tx1"/>
+          </a:fontRef>
+        </p:style>
+      </p:cxnSp>
       <p:graphicFrame>
         <p:nvGraphicFramePr>
-          <p:cNvPr id="5" name="Content Placeholder 2">
-            <a:extLst>
-              <a:ext uri="{FF2B5EF4-FFF2-40B4-BE49-F238E27FC236}">
-                <a16:creationId xmlns:a16="http://schemas.microsoft.com/office/drawing/2014/main" id="{6C4C0ED7-6124-AE01-EEFE-B2BA84090AEC}"/>
+          <p:cNvPr id="16" name="Content Placeholder 2">
+            <a:extLst>
+              <a:ext uri="{FF2B5EF4-FFF2-40B4-BE49-F238E27FC236}">
+                <a16:creationId xmlns:a16="http://schemas.microsoft.com/office/drawing/2014/main" id="{0E1A143D-CC46-6D6F-C453-8DA55B6309A3}"/>
               </a:ext>
             </a:extLst>
           </p:cNvPr>
@@ -7304,11 +7291,16 @@
           </p:cNvGraphicFramePr>
           <p:nvPr>
             <p:ph idx="1"/>
+            <p:extLst>
+              <p:ext uri="{D42A27DB-BD31-4B8C-83A1-F6EECF244321}">
+                <p14:modId xmlns:p14="http://schemas.microsoft.com/office/powerpoint/2010/main" val="3158322801"/>
+              </p:ext>
+            </p:extLst>
           </p:nvPr>
         </p:nvGraphicFramePr>
         <p:xfrm>
-          <a:off x="700635" y="2221992"/>
-          <a:ext cx="10691265" cy="3739896"/>
+          <a:off x="4876800" y="1066801"/>
+          <a:ext cx="6581776" cy="4724400"/>
         </p:xfrm>
         <a:graphic>
           <a:graphicData uri="http://schemas.openxmlformats.org/drawingml/2006/diagram">
@@ -7319,7 +7311,7 @@
     </p:spTree>
     <p:extLst>
       <p:ext uri="{BB962C8B-B14F-4D97-AF65-F5344CB8AC3E}">
-        <p14:creationId xmlns:p14="http://schemas.microsoft.com/office/powerpoint/2010/main" val="313812562"/>
+        <p14:creationId xmlns:p14="http://schemas.microsoft.com/office/powerpoint/2010/main" val="1403851098"/>
       </p:ext>
     </p:extLst>
   </p:cSld>
